--- a/Sudoku Solver.pptx
+++ b/Sudoku Solver.pptx
@@ -197,6 +197,7 @@
           <a:p>
             <a:fld id="{6B486042-7536-4A2D-A26A-7BBC7BAE881A}" type="datetimeFigureOut">
               <a:rPr lang="en-US" smtClean="0"/>
+              <a:pPr/>
               <a:t>2/25/2018</a:t>
             </a:fld>
             <a:endParaRPr lang="en-US"/>
@@ -358,6 +359,7 @@
           <a:p>
             <a:fld id="{5C1B8ECB-E553-49A6-AD7A-E1AD14712248}" type="slidenum">
               <a:rPr lang="en-US" smtClean="0"/>
+              <a:pPr/>
               <a:t>‹#›</a:t>
             </a:fld>
             <a:endParaRPr lang="en-US"/>
@@ -533,6 +535,7 @@
           <a:p>
             <a:fld id="{5C1B8ECB-E553-49A6-AD7A-E1AD14712248}" type="slidenum">
               <a:rPr lang="en-US" smtClean="0"/>
+              <a:pPr/>
               <a:t>3</a:t>
             </a:fld>
             <a:endParaRPr lang="en-US"/>
@@ -621,6 +624,7 @@
           <a:p>
             <a:fld id="{5C1B8ECB-E553-49A6-AD7A-E1AD14712248}" type="slidenum">
               <a:rPr lang="en-US" smtClean="0"/>
+              <a:pPr/>
               <a:t>4</a:t>
             </a:fld>
             <a:endParaRPr lang="en-US"/>
@@ -915,6 +919,7 @@
           <a:p>
             <a:fld id="{5E64D575-F8C7-4434-A9A7-C485AAFDFA7A}" type="datetimeFigureOut">
               <a:rPr lang="en-US" smtClean="0"/>
+              <a:pPr/>
               <a:t>2/25/2018</a:t>
             </a:fld>
             <a:endParaRPr lang="en-US"/>
@@ -1144,6 +1149,7 @@
           <a:p>
             <a:fld id="{704270E8-A7DA-42EF-A116-74136223323D}" type="slidenum">
               <a:rPr lang="en-US" smtClean="0"/>
+              <a:pPr/>
               <a:t>‹#›</a:t>
             </a:fld>
             <a:endParaRPr lang="en-US"/>
@@ -1308,6 +1314,7 @@
           <a:p>
             <a:fld id="{5E64D575-F8C7-4434-A9A7-C485AAFDFA7A}" type="datetimeFigureOut">
               <a:rPr lang="en-US" smtClean="0"/>
+              <a:pPr/>
               <a:t>2/25/2018</a:t>
             </a:fld>
             <a:endParaRPr lang="en-US"/>
@@ -1350,6 +1357,7 @@
           <a:p>
             <a:fld id="{704270E8-A7DA-42EF-A116-74136223323D}" type="slidenum">
               <a:rPr lang="en-US" smtClean="0"/>
+              <a:pPr/>
               <a:t>‹#›</a:t>
             </a:fld>
             <a:endParaRPr lang="en-US"/>
@@ -1760,6 +1768,7 @@
           <a:p>
             <a:fld id="{704270E8-A7DA-42EF-A116-74136223323D}" type="slidenum">
               <a:rPr lang="en-US" smtClean="0"/>
+              <a:pPr/>
               <a:t>‹#›</a:t>
             </a:fld>
             <a:endParaRPr lang="en-US"/>
@@ -1840,6 +1849,7 @@
           <a:p>
             <a:fld id="{5E64D575-F8C7-4434-A9A7-C485AAFDFA7A}" type="datetimeFigureOut">
               <a:rPr lang="en-US" smtClean="0"/>
+              <a:pPr/>
               <a:t>2/25/2018</a:t>
             </a:fld>
             <a:endParaRPr lang="en-US"/>
@@ -1973,6 +1983,7 @@
           <a:p>
             <a:fld id="{5E64D575-F8C7-4434-A9A7-C485AAFDFA7A}" type="datetimeFigureOut">
               <a:rPr lang="en-US" smtClean="0"/>
+              <a:pPr/>
               <a:t>2/25/2018</a:t>
             </a:fld>
             <a:endParaRPr lang="en-US"/>
@@ -2020,6 +2031,7 @@
           <a:p>
             <a:fld id="{704270E8-A7DA-42EF-A116-74136223323D}" type="slidenum">
               <a:rPr lang="en-US" smtClean="0"/>
+              <a:pPr/>
               <a:t>‹#›</a:t>
             </a:fld>
             <a:endParaRPr lang="en-US"/>
@@ -2516,6 +2528,7 @@
           <a:p>
             <a:fld id="{5E64D575-F8C7-4434-A9A7-C485AAFDFA7A}" type="datetimeFigureOut">
               <a:rPr lang="en-US" smtClean="0"/>
+              <a:pPr/>
               <a:t>2/25/2018</a:t>
             </a:fld>
             <a:endParaRPr lang="en-US"/>
@@ -2688,6 +2701,7 @@
           <a:p>
             <a:fld id="{704270E8-A7DA-42EF-A116-74136223323D}" type="slidenum">
               <a:rPr lang="en-US" smtClean="0"/>
+              <a:pPr/>
               <a:t>‹#›</a:t>
             </a:fld>
             <a:endParaRPr lang="en-US"/>
@@ -2811,6 +2825,7 @@
           <a:p>
             <a:fld id="{5E64D575-F8C7-4434-A9A7-C485AAFDFA7A}" type="datetimeFigureOut">
               <a:rPr lang="en-US" smtClean="0"/>
+              <a:pPr/>
               <a:t>2/25/2018</a:t>
             </a:fld>
             <a:endParaRPr lang="en-US"/>
@@ -2853,6 +2868,7 @@
           <a:p>
             <a:fld id="{704270E8-A7DA-42EF-A116-74136223323D}" type="slidenum">
               <a:rPr lang="en-US" smtClean="0"/>
+              <a:pPr/>
               <a:t>‹#›</a:t>
             </a:fld>
             <a:endParaRPr lang="en-US"/>
@@ -3470,6 +3486,7 @@
           <a:p>
             <a:fld id="{5E64D575-F8C7-4434-A9A7-C485AAFDFA7A}" type="datetimeFigureOut">
               <a:rPr lang="en-US" smtClean="0"/>
+              <a:pPr/>
               <a:t>2/25/2018</a:t>
             </a:fld>
             <a:endParaRPr lang="en-US"/>
@@ -3812,6 +3829,7 @@
           <a:p>
             <a:fld id="{704270E8-A7DA-42EF-A116-74136223323D}" type="slidenum">
               <a:rPr lang="en-US" smtClean="0"/>
+              <a:pPr/>
               <a:t>‹#›</a:t>
             </a:fld>
             <a:endParaRPr lang="en-US"/>
@@ -3906,6 +3924,7 @@
           <a:p>
             <a:fld id="{5E64D575-F8C7-4434-A9A7-C485AAFDFA7A}" type="datetimeFigureOut">
               <a:rPr lang="en-US" smtClean="0"/>
+              <a:pPr/>
               <a:t>2/25/2018</a:t>
             </a:fld>
             <a:endParaRPr lang="en-US"/>
@@ -3953,6 +3972,7 @@
           <a:p>
             <a:fld id="{704270E8-A7DA-42EF-A116-74136223323D}" type="slidenum">
               <a:rPr lang="en-US" smtClean="0"/>
+              <a:pPr/>
               <a:t>‹#›</a:t>
             </a:fld>
             <a:endParaRPr lang="en-US"/>
@@ -4219,6 +4239,7 @@
           <a:p>
             <a:fld id="{5E64D575-F8C7-4434-A9A7-C485AAFDFA7A}" type="datetimeFigureOut">
               <a:rPr lang="en-US" smtClean="0"/>
+              <a:pPr/>
               <a:t>2/25/2018</a:t>
             </a:fld>
             <a:endParaRPr lang="en-US"/>
@@ -4274,6 +4295,7 @@
           <a:p>
             <a:fld id="{704270E8-A7DA-42EF-A116-74136223323D}" type="slidenum">
               <a:rPr lang="en-US" smtClean="0"/>
+              <a:pPr/>
               <a:t>‹#›</a:t>
             </a:fld>
             <a:endParaRPr lang="en-US"/>
@@ -4892,6 +4914,7 @@
           <a:p>
             <a:fld id="{704270E8-A7DA-42EF-A116-74136223323D}" type="slidenum">
               <a:rPr lang="en-US" smtClean="0"/>
+              <a:pPr/>
               <a:t>‹#›</a:t>
             </a:fld>
             <a:endParaRPr lang="en-US"/>
@@ -4951,6 +4974,7 @@
           <a:p>
             <a:fld id="{5E64D575-F8C7-4434-A9A7-C485AAFDFA7A}" type="datetimeFigureOut">
               <a:rPr lang="en-US" smtClean="0"/>
+              <a:pPr/>
               <a:t>2/25/2018</a:t>
             </a:fld>
             <a:endParaRPr lang="en-US"/>
@@ -5426,6 +5450,7 @@
           <a:p>
             <a:fld id="{704270E8-A7DA-42EF-A116-74136223323D}" type="slidenum">
               <a:rPr lang="en-US" smtClean="0"/>
+              <a:pPr/>
               <a:t>‹#›</a:t>
             </a:fld>
             <a:endParaRPr lang="en-US"/>
@@ -5615,6 +5640,7 @@
           <a:p>
             <a:fld id="{5E64D575-F8C7-4434-A9A7-C485AAFDFA7A}" type="datetimeFigureOut">
               <a:rPr lang="en-US" smtClean="0"/>
+              <a:pPr/>
               <a:t>2/25/2018</a:t>
             </a:fld>
             <a:endParaRPr lang="en-US"/>
@@ -5888,6 +5914,7 @@
           <a:p>
             <a:fld id="{5E64D575-F8C7-4434-A9A7-C485AAFDFA7A}" type="datetimeFigureOut">
               <a:rPr lang="en-US" smtClean="0"/>
+              <a:pPr/>
               <a:t>2/25/2018</a:t>
             </a:fld>
             <a:endParaRPr lang="en-US"/>
@@ -6138,6 +6165,7 @@
           <a:p>
             <a:fld id="{704270E8-A7DA-42EF-A116-74136223323D}" type="slidenum">
               <a:rPr lang="en-US" smtClean="0"/>
+              <a:pPr/>
               <a:t>‹#›</a:t>
             </a:fld>
             <a:endParaRPr lang="en-US"/>
@@ -6571,7 +6599,12 @@
             <p:ph type="subTitle" idx="1"/>
           </p:nvPr>
         </p:nvSpPr>
-        <p:spPr/>
+        <p:spPr>
+          <a:xfrm>
+            <a:off x="785786" y="2819400"/>
+            <a:ext cx="7500990" cy="2967054"/>
+          </a:xfrm>
+        </p:spPr>
         <p:txBody>
           <a:bodyPr/>
           <a:lstStyle/>
@@ -6592,8 +6625,50 @@
             </a:br>
             <a:r>
               <a:rPr lang="en-US" dirty="0" smtClean="0"/>
-              <a:t> -Bibek Kaliraj(074BCT510)</a:t>
-            </a:r>
+              <a:t> -Bibek Kaliraj(074BCT510</a:t>
+            </a:r>
+            <a:r>
+              <a:rPr lang="en-US" dirty="0" smtClean="0"/>
+              <a:t>)</a:t>
+            </a:r>
+            <a:br>
+              <a:rPr lang="en-US" dirty="0" smtClean="0"/>
+            </a:br>
+            <a:r>
+              <a:rPr lang="en-US" dirty="0" smtClean="0"/>
+              <a:t/>
+            </a:r>
+            <a:br>
+              <a:rPr lang="en-US" dirty="0" smtClean="0"/>
+            </a:br>
+            <a:r>
+              <a:rPr lang="en-US" dirty="0" smtClean="0"/>
+              <a:t>SUBMITTED TO:</a:t>
+            </a:r>
+            <a:br>
+              <a:rPr lang="en-US" dirty="0" smtClean="0"/>
+            </a:br>
+            <a:r>
+              <a:rPr lang="en-US" dirty="0" smtClean="0"/>
+              <a:t>DEPARTMENT OF ELECTRONICS</a:t>
+            </a:r>
+            <a:br>
+              <a:rPr lang="en-US" dirty="0" smtClean="0"/>
+            </a:br>
+            <a:r>
+              <a:rPr lang="en-US" dirty="0" smtClean="0"/>
+              <a:t>And </a:t>
+            </a:r>
+            <a:br>
+              <a:rPr lang="en-US" dirty="0" smtClean="0"/>
+            </a:br>
+            <a:r>
+              <a:rPr lang="en-US" dirty="0" smtClean="0"/>
+              <a:t>COMPUTER ENGINEERING</a:t>
+            </a:r>
+            <a:br>
+              <a:rPr lang="en-US" dirty="0" smtClean="0"/>
+            </a:br>
             <a:endParaRPr lang="en-US" dirty="0"/>
           </a:p>
         </p:txBody>

--- a/Sudoku Solver.pptx
+++ b/Sudoku Solver.pptx
@@ -5,7 +5,7 @@
     <p:sldMasterId id="2147483672" r:id="rId1"/>
   </p:sldMasterIdLst>
   <p:notesMasterIdLst>
-    <p:notesMasterId r:id="rId8"/>
+    <p:notesMasterId r:id="rId14"/>
   </p:notesMasterIdLst>
   <p:sldIdLst>
     <p:sldId id="256" r:id="rId2"/>
@@ -14,6 +14,12 @@
     <p:sldId id="259" r:id="rId5"/>
     <p:sldId id="260" r:id="rId6"/>
     <p:sldId id="261" r:id="rId7"/>
+    <p:sldId id="266" r:id="rId8"/>
+    <p:sldId id="262" r:id="rId9"/>
+    <p:sldId id="263" r:id="rId10"/>
+    <p:sldId id="264" r:id="rId11"/>
+    <p:sldId id="267" r:id="rId12"/>
+    <p:sldId id="268" r:id="rId13"/>
   </p:sldIdLst>
   <p:sldSz cx="9144000" cy="6858000" type="screen4x3"/>
   <p:notesSz cx="6858000" cy="9144000"/>
@@ -198,7 +204,7 @@
             <a:fld id="{6B486042-7536-4A2D-A26A-7BBC7BAE881A}" type="datetimeFigureOut">
               <a:rPr lang="en-US" smtClean="0"/>
               <a:pPr/>
-              <a:t>2/25/2018</a:t>
+              <a:t>3/1/2018</a:t>
             </a:fld>
             <a:endParaRPr lang="en-US"/>
           </a:p>
@@ -920,7 +926,7 @@
             <a:fld id="{5E64D575-F8C7-4434-A9A7-C485AAFDFA7A}" type="datetimeFigureOut">
               <a:rPr lang="en-US" smtClean="0"/>
               <a:pPr/>
-              <a:t>2/25/2018</a:t>
+              <a:t>3/1/2018</a:t>
             </a:fld>
             <a:endParaRPr lang="en-US"/>
           </a:p>
@@ -1315,7 +1321,7 @@
             <a:fld id="{5E64D575-F8C7-4434-A9A7-C485AAFDFA7A}" type="datetimeFigureOut">
               <a:rPr lang="en-US" smtClean="0"/>
               <a:pPr/>
-              <a:t>2/25/2018</a:t>
+              <a:t>3/1/2018</a:t>
             </a:fld>
             <a:endParaRPr lang="en-US"/>
           </a:p>
@@ -1850,7 +1856,7 @@
             <a:fld id="{5E64D575-F8C7-4434-A9A7-C485AAFDFA7A}" type="datetimeFigureOut">
               <a:rPr lang="en-US" smtClean="0"/>
               <a:pPr/>
-              <a:t>2/25/2018</a:t>
+              <a:t>3/1/2018</a:t>
             </a:fld>
             <a:endParaRPr lang="en-US"/>
           </a:p>
@@ -1984,7 +1990,7 @@
             <a:fld id="{5E64D575-F8C7-4434-A9A7-C485AAFDFA7A}" type="datetimeFigureOut">
               <a:rPr lang="en-US" smtClean="0"/>
               <a:pPr/>
-              <a:t>2/25/2018</a:t>
+              <a:t>3/1/2018</a:t>
             </a:fld>
             <a:endParaRPr lang="en-US"/>
           </a:p>
@@ -2529,7 +2535,7 @@
             <a:fld id="{5E64D575-F8C7-4434-A9A7-C485AAFDFA7A}" type="datetimeFigureOut">
               <a:rPr lang="en-US" smtClean="0"/>
               <a:pPr/>
-              <a:t>2/25/2018</a:t>
+              <a:t>3/1/2018</a:t>
             </a:fld>
             <a:endParaRPr lang="en-US"/>
           </a:p>
@@ -2826,7 +2832,7 @@
             <a:fld id="{5E64D575-F8C7-4434-A9A7-C485AAFDFA7A}" type="datetimeFigureOut">
               <a:rPr lang="en-US" smtClean="0"/>
               <a:pPr/>
-              <a:t>2/25/2018</a:t>
+              <a:t>3/1/2018</a:t>
             </a:fld>
             <a:endParaRPr lang="en-US"/>
           </a:p>
@@ -3487,7 +3493,7 @@
             <a:fld id="{5E64D575-F8C7-4434-A9A7-C485AAFDFA7A}" type="datetimeFigureOut">
               <a:rPr lang="en-US" smtClean="0"/>
               <a:pPr/>
-              <a:t>2/25/2018</a:t>
+              <a:t>3/1/2018</a:t>
             </a:fld>
             <a:endParaRPr lang="en-US"/>
           </a:p>
@@ -3925,7 +3931,7 @@
             <a:fld id="{5E64D575-F8C7-4434-A9A7-C485AAFDFA7A}" type="datetimeFigureOut">
               <a:rPr lang="en-US" smtClean="0"/>
               <a:pPr/>
-              <a:t>2/25/2018</a:t>
+              <a:t>3/1/2018</a:t>
             </a:fld>
             <a:endParaRPr lang="en-US"/>
           </a:p>
@@ -4240,7 +4246,7 @@
             <a:fld id="{5E64D575-F8C7-4434-A9A7-C485AAFDFA7A}" type="datetimeFigureOut">
               <a:rPr lang="en-US" smtClean="0"/>
               <a:pPr/>
-              <a:t>2/25/2018</a:t>
+              <a:t>3/1/2018</a:t>
             </a:fld>
             <a:endParaRPr lang="en-US"/>
           </a:p>
@@ -4975,7 +4981,7 @@
             <a:fld id="{5E64D575-F8C7-4434-A9A7-C485AAFDFA7A}" type="datetimeFigureOut">
               <a:rPr lang="en-US" smtClean="0"/>
               <a:pPr/>
-              <a:t>2/25/2018</a:t>
+              <a:t>3/1/2018</a:t>
             </a:fld>
             <a:endParaRPr lang="en-US"/>
           </a:p>
@@ -5641,7 +5647,7 @@
             <a:fld id="{5E64D575-F8C7-4434-A9A7-C485AAFDFA7A}" type="datetimeFigureOut">
               <a:rPr lang="en-US" smtClean="0"/>
               <a:pPr/>
-              <a:t>2/25/2018</a:t>
+              <a:t>3/1/2018</a:t>
             </a:fld>
             <a:endParaRPr lang="en-US"/>
           </a:p>
@@ -5915,7 +5921,7 @@
             <a:fld id="{5E64D575-F8C7-4434-A9A7-C485AAFDFA7A}" type="datetimeFigureOut">
               <a:rPr lang="en-US" smtClean="0"/>
               <a:pPr/>
-              <a:t>2/25/2018</a:t>
+              <a:t>3/1/2018</a:t>
             </a:fld>
             <a:endParaRPr lang="en-US"/>
           </a:p>
@@ -6625,11 +6631,7 @@
             </a:br>
             <a:r>
               <a:rPr lang="en-US" dirty="0" smtClean="0"/>
-              <a:t> -Bibek Kaliraj(074BCT510</a:t>
-            </a:r>
-            <a:r>
-              <a:rPr lang="en-US" dirty="0" smtClean="0"/>
-              <a:t>)</a:t>
+              <a:t> -Bibek Kaliraj(074BCT510)</a:t>
             </a:r>
             <a:br>
               <a:rPr lang="en-US" dirty="0" smtClean="0"/>
@@ -6704,6 +6706,235 @@
   <p:transition>
     <p:fade thruBlk="1"/>
   </p:transition>
+  <p:timing>
+    <p:tnLst>
+      <p:par>
+        <p:cTn id="1" dur="indefinite" restart="never" nodeType="tmRoot"/>
+      </p:par>
+    </p:tnLst>
+  </p:timing>
+</p:sld>
+</file>
+
+<file path=ppt/slides/slide10.xml><?xml version="1.0" encoding="utf-8"?>
+<p:sld xmlns:a="http://schemas.openxmlformats.org/drawingml/2006/main" xmlns:r="http://schemas.openxmlformats.org/officeDocument/2006/relationships" xmlns:p="http://schemas.openxmlformats.org/presentationml/2006/main">
+  <p:cSld>
+    <p:spTree>
+      <p:nvGrpSpPr>
+        <p:cNvPr id="1" name=""/>
+        <p:cNvGrpSpPr/>
+        <p:nvPr/>
+      </p:nvGrpSpPr>
+      <p:grpSpPr>
+        <a:xfrm>
+          <a:off x="0" y="0"/>
+          <a:ext cx="0" cy="0"/>
+          <a:chOff x="0" y="0"/>
+          <a:chExt cx="0" cy="0"/>
+        </a:xfrm>
+      </p:grpSpPr>
+      <p:pic>
+        <p:nvPicPr>
+          <p:cNvPr id="2" name="Picture 1" descr="output8.jpg"/>
+          <p:cNvPicPr>
+            <a:picLocks noChangeAspect="1"/>
+          </p:cNvPicPr>
+          <p:nvPr/>
+        </p:nvPicPr>
+        <p:blipFill>
+          <a:blip r:embed="rId2"/>
+          <a:stretch>
+            <a:fillRect/>
+          </a:stretch>
+        </p:blipFill>
+        <p:spPr>
+          <a:xfrm>
+            <a:off x="285720" y="1357298"/>
+            <a:ext cx="8658225" cy="4600592"/>
+          </a:xfrm>
+          <a:prstGeom prst="rect">
+            <a:avLst/>
+          </a:prstGeom>
+        </p:spPr>
+      </p:pic>
+      <p:sp>
+        <p:nvSpPr>
+          <p:cNvPr id="3" name="TextBox 2"/>
+          <p:cNvSpPr txBox="1"/>
+          <p:nvPr/>
+        </p:nvSpPr>
+        <p:spPr>
+          <a:xfrm>
+            <a:off x="1000100" y="500042"/>
+            <a:ext cx="7000924" cy="369332"/>
+          </a:xfrm>
+          <a:prstGeom prst="rect">
+            <a:avLst/>
+          </a:prstGeom>
+          <a:noFill/>
+        </p:spPr>
+        <p:txBody>
+          <a:bodyPr wrap="square" rtlCol="0">
+            <a:spAutoFit/>
+          </a:bodyPr>
+          <a:lstStyle/>
+          <a:p>
+            <a:pPr algn="ctr"/>
+            <a:r>
+              <a:rPr lang="en-US" b="1" dirty="0" smtClean="0"/>
+              <a:t>Solved Sudoku</a:t>
+            </a:r>
+            <a:endParaRPr lang="en-US" b="1" dirty="0"/>
+          </a:p>
+        </p:txBody>
+      </p:sp>
+    </p:spTree>
+  </p:cSld>
+  <p:clrMapOvr>
+    <a:masterClrMapping/>
+  </p:clrMapOvr>
+  <p:timing>
+    <p:tnLst>
+      <p:par>
+        <p:cTn id="1" dur="indefinite" restart="never" nodeType="tmRoot"/>
+      </p:par>
+    </p:tnLst>
+  </p:timing>
+</p:sld>
+</file>
+
+<file path=ppt/slides/slide11.xml><?xml version="1.0" encoding="utf-8"?>
+<p:sld xmlns:a="http://schemas.openxmlformats.org/drawingml/2006/main" xmlns:r="http://schemas.openxmlformats.org/officeDocument/2006/relationships" xmlns:p="http://schemas.openxmlformats.org/presentationml/2006/main">
+  <p:cSld>
+    <p:spTree>
+      <p:nvGrpSpPr>
+        <p:cNvPr id="1" name=""/>
+        <p:cNvGrpSpPr/>
+        <p:nvPr/>
+      </p:nvGrpSpPr>
+      <p:grpSpPr>
+        <a:xfrm>
+          <a:off x="0" y="0"/>
+          <a:ext cx="0" cy="0"/>
+          <a:chOff x="0" y="0"/>
+          <a:chExt cx="0" cy="0"/>
+        </a:xfrm>
+      </p:grpSpPr>
+      <p:sp>
+        <p:nvSpPr>
+          <p:cNvPr id="2" name="TextBox 1"/>
+          <p:cNvSpPr txBox="1"/>
+          <p:nvPr/>
+        </p:nvSpPr>
+        <p:spPr>
+          <a:xfrm>
+            <a:off x="714348" y="1000108"/>
+            <a:ext cx="7858180" cy="1092607"/>
+          </a:xfrm>
+          <a:prstGeom prst="rect">
+            <a:avLst/>
+          </a:prstGeom>
+          <a:noFill/>
+        </p:spPr>
+        <p:txBody>
+          <a:bodyPr wrap="square" rtlCol="0">
+            <a:spAutoFit/>
+          </a:bodyPr>
+          <a:lstStyle/>
+          <a:p>
+            <a:r>
+              <a:rPr lang="en-US" sz="6500" dirty="0" smtClean="0"/>
+              <a:t>ANY QUESTIONS ?</a:t>
+            </a:r>
+            <a:endParaRPr lang="en-US" sz="6500" dirty="0"/>
+          </a:p>
+        </p:txBody>
+      </p:sp>
+      <p:pic>
+        <p:nvPicPr>
+          <p:cNvPr id="3" name="Picture 2" descr="flat,800x800,075,f.jpg"/>
+          <p:cNvPicPr>
+            <a:picLocks noChangeAspect="1"/>
+          </p:cNvPicPr>
+          <p:nvPr/>
+        </p:nvPicPr>
+        <p:blipFill>
+          <a:blip r:embed="rId2"/>
+          <a:stretch>
+            <a:fillRect/>
+          </a:stretch>
+        </p:blipFill>
+        <p:spPr>
+          <a:xfrm>
+            <a:off x="2000233" y="2214554"/>
+            <a:ext cx="4429156" cy="3929066"/>
+          </a:xfrm>
+          <a:prstGeom prst="rect">
+            <a:avLst/>
+          </a:prstGeom>
+        </p:spPr>
+      </p:pic>
+    </p:spTree>
+  </p:cSld>
+  <p:clrMapOvr>
+    <a:masterClrMapping/>
+  </p:clrMapOvr>
+  <p:timing>
+    <p:tnLst>
+      <p:par>
+        <p:cTn id="1" dur="indefinite" restart="never" nodeType="tmRoot"/>
+      </p:par>
+    </p:tnLst>
+  </p:timing>
+</p:sld>
+</file>
+
+<file path=ppt/slides/slide12.xml><?xml version="1.0" encoding="utf-8"?>
+<p:sld xmlns:a="http://schemas.openxmlformats.org/drawingml/2006/main" xmlns:r="http://schemas.openxmlformats.org/officeDocument/2006/relationships" xmlns:p="http://schemas.openxmlformats.org/presentationml/2006/main">
+  <p:cSld>
+    <p:spTree>
+      <p:nvGrpSpPr>
+        <p:cNvPr id="1" name=""/>
+        <p:cNvGrpSpPr/>
+        <p:nvPr/>
+      </p:nvGrpSpPr>
+      <p:grpSpPr>
+        <a:xfrm>
+          <a:off x="0" y="0"/>
+          <a:ext cx="0" cy="0"/>
+          <a:chOff x="0" y="0"/>
+          <a:chExt cx="0" cy="0"/>
+        </a:xfrm>
+      </p:grpSpPr>
+      <p:pic>
+        <p:nvPicPr>
+          <p:cNvPr id="4" name="Picture 3" descr="ty.png"/>
+          <p:cNvPicPr>
+            <a:picLocks noChangeAspect="1"/>
+          </p:cNvPicPr>
+          <p:nvPr/>
+        </p:nvPicPr>
+        <p:blipFill>
+          <a:blip r:embed="rId2"/>
+          <a:stretch>
+            <a:fillRect/>
+          </a:stretch>
+        </p:blipFill>
+        <p:spPr>
+          <a:xfrm>
+            <a:off x="428596" y="714356"/>
+            <a:ext cx="8358246" cy="5429288"/>
+          </a:xfrm>
+          <a:prstGeom prst="rect">
+            <a:avLst/>
+          </a:prstGeom>
+        </p:spPr>
+      </p:pic>
+    </p:spTree>
+  </p:cSld>
+  <p:clrMapOvr>
+    <a:masterClrMapping/>
+  </p:clrMapOvr>
   <p:timing>
     <p:tnLst>
       <p:par>
@@ -8294,6 +8525,1849 @@
 </p:sld>
 </file>
 
+<file path=ppt/slides/slide7.xml><?xml version="1.0" encoding="utf-8"?>
+<p:sld xmlns:a="http://schemas.openxmlformats.org/drawingml/2006/main" xmlns:r="http://schemas.openxmlformats.org/officeDocument/2006/relationships" xmlns:p="http://schemas.openxmlformats.org/presentationml/2006/main">
+  <p:cSld>
+    <p:spTree>
+      <p:nvGrpSpPr>
+        <p:cNvPr id="1" name=""/>
+        <p:cNvGrpSpPr/>
+        <p:nvPr/>
+      </p:nvGrpSpPr>
+      <p:grpSpPr>
+        <a:xfrm>
+          <a:off x="0" y="0"/>
+          <a:ext cx="0" cy="0"/>
+          <a:chOff x="0" y="0"/>
+          <a:chExt cx="0" cy="0"/>
+        </a:xfrm>
+      </p:grpSpPr>
+      <p:sp>
+        <p:nvSpPr>
+          <p:cNvPr id="6" name="Flowchart: Predefined Process 5"/>
+          <p:cNvSpPr/>
+          <p:nvPr/>
+        </p:nvSpPr>
+        <p:spPr>
+          <a:xfrm>
+            <a:off x="2285984" y="285728"/>
+            <a:ext cx="3929090" cy="357190"/>
+          </a:xfrm>
+          <a:prstGeom prst="flowChartPredefinedProcess">
+            <a:avLst/>
+          </a:prstGeom>
+          <a:solidFill>
+            <a:schemeClr val="bg1"/>
+          </a:solidFill>
+          <a:ln>
+            <a:solidFill>
+              <a:schemeClr val="tx1"/>
+            </a:solidFill>
+            <a:prstDash val="solid"/>
+          </a:ln>
+        </p:spPr>
+        <p:style>
+          <a:lnRef idx="2">
+            <a:schemeClr val="accent1">
+              <a:shade val="50000"/>
+            </a:schemeClr>
+          </a:lnRef>
+          <a:fillRef idx="1">
+            <a:schemeClr val="accent1"/>
+          </a:fillRef>
+          <a:effectRef idx="0">
+            <a:schemeClr val="accent1"/>
+          </a:effectRef>
+          <a:fontRef idx="minor">
+            <a:schemeClr val="lt1"/>
+          </a:fontRef>
+        </p:style>
+        <p:txBody>
+          <a:bodyPr rtlCol="0" anchor="ctr"/>
+          <a:lstStyle/>
+          <a:p>
+            <a:pPr algn="ctr"/>
+            <a:r>
+              <a:rPr lang="en-US" sz="1300" dirty="0" err="1" smtClean="0"/>
+              <a:t>B</a:t>
+            </a:r>
+            <a:r>
+              <a:rPr lang="en-US" sz="1300" dirty="0" err="1" smtClean="0">
+                <a:solidFill>
+                  <a:schemeClr val="tx1"/>
+                </a:solidFill>
+              </a:rPr>
+              <a:t>bool</a:t>
+            </a:r>
+            <a:r>
+              <a:rPr lang="en-US" sz="1300" dirty="0" smtClean="0">
+                <a:solidFill>
+                  <a:schemeClr val="tx1"/>
+                </a:solidFill>
+              </a:rPr>
+              <a:t> solveSudoku(sudoku[9][9])</a:t>
+            </a:r>
+            <a:endParaRPr lang="en-US" sz="1300" dirty="0"/>
+          </a:p>
+        </p:txBody>
+      </p:sp>
+      <p:sp>
+        <p:nvSpPr>
+          <p:cNvPr id="10" name="Flowchart: Process 9"/>
+          <p:cNvSpPr/>
+          <p:nvPr/>
+        </p:nvSpPr>
+        <p:spPr>
+          <a:xfrm>
+            <a:off x="2214546" y="857232"/>
+            <a:ext cx="3929090" cy="428628"/>
+          </a:xfrm>
+          <a:prstGeom prst="flowChartProcess">
+            <a:avLst/>
+          </a:prstGeom>
+          <a:noFill/>
+          <a:ln>
+            <a:solidFill>
+              <a:schemeClr val="tx1"/>
+            </a:solidFill>
+            <a:prstDash val="solid"/>
+          </a:ln>
+        </p:spPr>
+        <p:style>
+          <a:lnRef idx="2">
+            <a:schemeClr val="accent1">
+              <a:shade val="50000"/>
+            </a:schemeClr>
+          </a:lnRef>
+          <a:fillRef idx="1">
+            <a:schemeClr val="accent1"/>
+          </a:fillRef>
+          <a:effectRef idx="0">
+            <a:schemeClr val="accent1"/>
+          </a:effectRef>
+          <a:fontRef idx="minor">
+            <a:schemeClr val="lt1"/>
+          </a:fontRef>
+        </p:style>
+        <p:txBody>
+          <a:bodyPr rtlCol="0" anchor="ctr"/>
+          <a:lstStyle/>
+          <a:p>
+            <a:pPr algn="ctr"/>
+            <a:r>
+              <a:rPr lang="en-US" dirty="0" smtClean="0">
+                <a:solidFill>
+                  <a:schemeClr val="tx1"/>
+                </a:solidFill>
+              </a:rPr>
+              <a:t>int </a:t>
+            </a:r>
+            <a:r>
+              <a:rPr lang="en-US" dirty="0" err="1" smtClean="0">
+                <a:solidFill>
+                  <a:schemeClr val="tx1"/>
+                </a:solidFill>
+              </a:rPr>
+              <a:t>row,col,num</a:t>
+            </a:r>
+            <a:r>
+              <a:rPr lang="en-US" dirty="0" smtClean="0">
+                <a:solidFill>
+                  <a:schemeClr val="tx1"/>
+                </a:solidFill>
+              </a:rPr>
+              <a:t>=1; </a:t>
+            </a:r>
+            <a:endParaRPr lang="en-US" dirty="0">
+              <a:solidFill>
+                <a:schemeClr val="tx1"/>
+              </a:solidFill>
+            </a:endParaRPr>
+          </a:p>
+        </p:txBody>
+      </p:sp>
+      <p:sp>
+        <p:nvSpPr>
+          <p:cNvPr id="11" name="Flowchart: Decision 10"/>
+          <p:cNvSpPr/>
+          <p:nvPr/>
+        </p:nvSpPr>
+        <p:spPr>
+          <a:xfrm>
+            <a:off x="2357422" y="1428736"/>
+            <a:ext cx="3786214" cy="642942"/>
+          </a:xfrm>
+          <a:prstGeom prst="flowChartDecision">
+            <a:avLst/>
+          </a:prstGeom>
+          <a:noFill/>
+          <a:ln>
+            <a:solidFill>
+              <a:schemeClr val="tx1"/>
+            </a:solidFill>
+            <a:prstDash val="solid"/>
+          </a:ln>
+        </p:spPr>
+        <p:style>
+          <a:lnRef idx="2">
+            <a:schemeClr val="accent1">
+              <a:shade val="50000"/>
+            </a:schemeClr>
+          </a:lnRef>
+          <a:fillRef idx="1">
+            <a:schemeClr val="accent1"/>
+          </a:fillRef>
+          <a:effectRef idx="0">
+            <a:schemeClr val="accent1"/>
+          </a:effectRef>
+          <a:fontRef idx="minor">
+            <a:schemeClr val="lt1"/>
+          </a:fontRef>
+        </p:style>
+        <p:txBody>
+          <a:bodyPr rtlCol="0" anchor="ctr"/>
+          <a:lstStyle/>
+          <a:p>
+            <a:pPr algn="ctr"/>
+            <a:r>
+              <a:rPr lang="en-US" sz="1500" dirty="0" smtClean="0">
+                <a:solidFill>
+                  <a:schemeClr val="tx1"/>
+                </a:solidFill>
+              </a:rPr>
+              <a:t>is any cell empty ?</a:t>
+            </a:r>
+            <a:endParaRPr lang="en-US" sz="1500" dirty="0">
+              <a:solidFill>
+                <a:schemeClr val="tx1"/>
+              </a:solidFill>
+            </a:endParaRPr>
+          </a:p>
+        </p:txBody>
+      </p:sp>
+      <p:cxnSp>
+        <p:nvCxnSpPr>
+          <p:cNvPr id="13" name="Straight Arrow Connector 12"/>
+          <p:cNvCxnSpPr>
+            <a:stCxn id="11" idx="3"/>
+            <a:endCxn id="18" idx="1"/>
+          </p:cNvCxnSpPr>
+          <p:nvPr/>
+        </p:nvCxnSpPr>
+        <p:spPr>
+          <a:xfrm flipV="1">
+            <a:off x="6143636" y="1714488"/>
+            <a:ext cx="785818" cy="35719"/>
+          </a:xfrm>
+          <a:prstGeom prst="straightConnector1">
+            <a:avLst/>
+          </a:prstGeom>
+          <a:ln w="19050">
+            <a:solidFill>
+              <a:schemeClr val="tx1"/>
+            </a:solidFill>
+            <a:tailEnd type="arrow"/>
+          </a:ln>
+        </p:spPr>
+        <p:style>
+          <a:lnRef idx="1">
+            <a:schemeClr val="accent1"/>
+          </a:lnRef>
+          <a:fillRef idx="0">
+            <a:schemeClr val="accent1"/>
+          </a:fillRef>
+          <a:effectRef idx="0">
+            <a:schemeClr val="accent1"/>
+          </a:effectRef>
+          <a:fontRef idx="minor">
+            <a:schemeClr val="tx1"/>
+          </a:fontRef>
+        </p:style>
+      </p:cxnSp>
+      <p:sp>
+        <p:nvSpPr>
+          <p:cNvPr id="18" name="Flowchart: Process 17"/>
+          <p:cNvSpPr/>
+          <p:nvPr/>
+        </p:nvSpPr>
+        <p:spPr>
+          <a:xfrm>
+            <a:off x="6929454" y="1500174"/>
+            <a:ext cx="1643074" cy="428628"/>
+          </a:xfrm>
+          <a:prstGeom prst="flowChartProcess">
+            <a:avLst/>
+          </a:prstGeom>
+          <a:noFill/>
+          <a:ln>
+            <a:solidFill>
+              <a:schemeClr val="tx1"/>
+            </a:solidFill>
+            <a:prstDash val="solid"/>
+          </a:ln>
+        </p:spPr>
+        <p:style>
+          <a:lnRef idx="2">
+            <a:schemeClr val="accent1">
+              <a:shade val="50000"/>
+            </a:schemeClr>
+          </a:lnRef>
+          <a:fillRef idx="1">
+            <a:schemeClr val="accent1"/>
+          </a:fillRef>
+          <a:effectRef idx="0">
+            <a:schemeClr val="accent1"/>
+          </a:effectRef>
+          <a:fontRef idx="minor">
+            <a:schemeClr val="lt1"/>
+          </a:fontRef>
+        </p:style>
+        <p:txBody>
+          <a:bodyPr rtlCol="0" anchor="ctr"/>
+          <a:lstStyle/>
+          <a:p>
+            <a:pPr algn="ctr"/>
+            <a:r>
+              <a:rPr lang="en-US" dirty="0" smtClean="0">
+                <a:solidFill>
+                  <a:schemeClr val="tx1"/>
+                </a:solidFill>
+              </a:rPr>
+              <a:t>r</a:t>
+            </a:r>
+            <a:r>
+              <a:rPr lang="en-US" dirty="0" smtClean="0">
+                <a:solidFill>
+                  <a:schemeClr val="tx1"/>
+                </a:solidFill>
+              </a:rPr>
+              <a:t>eturn true;</a:t>
+            </a:r>
+            <a:endParaRPr lang="en-US" dirty="0">
+              <a:solidFill>
+                <a:schemeClr val="tx1"/>
+              </a:solidFill>
+            </a:endParaRPr>
+          </a:p>
+        </p:txBody>
+      </p:sp>
+      <p:sp>
+        <p:nvSpPr>
+          <p:cNvPr id="19" name="Flowchart: Decision 18"/>
+          <p:cNvSpPr/>
+          <p:nvPr/>
+        </p:nvSpPr>
+        <p:spPr>
+          <a:xfrm>
+            <a:off x="2571736" y="2357430"/>
+            <a:ext cx="3571900" cy="428628"/>
+          </a:xfrm>
+          <a:prstGeom prst="flowChartDecision">
+            <a:avLst/>
+          </a:prstGeom>
+          <a:noFill/>
+          <a:ln>
+            <a:solidFill>
+              <a:schemeClr val="tx1"/>
+            </a:solidFill>
+            <a:prstDash val="solid"/>
+          </a:ln>
+        </p:spPr>
+        <p:style>
+          <a:lnRef idx="2">
+            <a:schemeClr val="accent1">
+              <a:shade val="50000"/>
+            </a:schemeClr>
+          </a:lnRef>
+          <a:fillRef idx="1">
+            <a:schemeClr val="accent1"/>
+          </a:fillRef>
+          <a:effectRef idx="0">
+            <a:schemeClr val="accent1"/>
+          </a:effectRef>
+          <a:fontRef idx="minor">
+            <a:schemeClr val="lt1"/>
+          </a:fontRef>
+        </p:style>
+        <p:txBody>
+          <a:bodyPr rtlCol="0" anchor="ctr"/>
+          <a:lstStyle/>
+          <a:p>
+            <a:pPr algn="ctr"/>
+            <a:r>
+              <a:rPr lang="en-US" dirty="0" smtClean="0">
+                <a:solidFill>
+                  <a:schemeClr val="tx1"/>
+                </a:solidFill>
+              </a:rPr>
+              <a:t>is (num&lt;=9) ?</a:t>
+            </a:r>
+            <a:endParaRPr lang="en-US" dirty="0">
+              <a:solidFill>
+                <a:schemeClr val="tx1"/>
+              </a:solidFill>
+            </a:endParaRPr>
+          </a:p>
+        </p:txBody>
+      </p:sp>
+      <p:sp>
+        <p:nvSpPr>
+          <p:cNvPr id="20" name="Flowchart: Decision 19"/>
+          <p:cNvSpPr/>
+          <p:nvPr/>
+        </p:nvSpPr>
+        <p:spPr>
+          <a:xfrm>
+            <a:off x="2643174" y="3143248"/>
+            <a:ext cx="3500462" cy="428628"/>
+          </a:xfrm>
+          <a:prstGeom prst="flowChartDecision">
+            <a:avLst/>
+          </a:prstGeom>
+          <a:noFill/>
+          <a:ln>
+            <a:solidFill>
+              <a:schemeClr val="tx1"/>
+            </a:solidFill>
+            <a:prstDash val="solid"/>
+          </a:ln>
+        </p:spPr>
+        <p:style>
+          <a:lnRef idx="2">
+            <a:schemeClr val="accent1">
+              <a:shade val="50000"/>
+            </a:schemeClr>
+          </a:lnRef>
+          <a:fillRef idx="1">
+            <a:schemeClr val="accent1"/>
+          </a:fillRef>
+          <a:effectRef idx="0">
+            <a:schemeClr val="accent1"/>
+          </a:effectRef>
+          <a:fontRef idx="minor">
+            <a:schemeClr val="lt1"/>
+          </a:fontRef>
+        </p:style>
+        <p:txBody>
+          <a:bodyPr rtlCol="0" anchor="ctr"/>
+          <a:lstStyle/>
+          <a:p>
+            <a:pPr algn="ctr"/>
+            <a:r>
+              <a:rPr lang="en-US" sz="1300" dirty="0" smtClean="0">
+                <a:solidFill>
+                  <a:schemeClr val="tx1"/>
+                </a:solidFill>
+              </a:rPr>
+              <a:t>Is there any conflict?</a:t>
+            </a:r>
+            <a:endParaRPr lang="en-US" sz="1300" dirty="0">
+              <a:solidFill>
+                <a:schemeClr val="tx1"/>
+              </a:solidFill>
+            </a:endParaRPr>
+          </a:p>
+        </p:txBody>
+      </p:sp>
+      <p:sp>
+        <p:nvSpPr>
+          <p:cNvPr id="21" name="Flowchart: Decision 20"/>
+          <p:cNvSpPr/>
+          <p:nvPr/>
+        </p:nvSpPr>
+        <p:spPr>
+          <a:xfrm>
+            <a:off x="1928794" y="4214818"/>
+            <a:ext cx="4714908" cy="571504"/>
+          </a:xfrm>
+          <a:prstGeom prst="flowChartDecision">
+            <a:avLst/>
+          </a:prstGeom>
+          <a:noFill/>
+          <a:ln>
+            <a:solidFill>
+              <a:schemeClr val="tx1"/>
+            </a:solidFill>
+            <a:prstDash val="solid"/>
+          </a:ln>
+        </p:spPr>
+        <p:style>
+          <a:lnRef idx="2">
+            <a:schemeClr val="accent1">
+              <a:shade val="50000"/>
+            </a:schemeClr>
+          </a:lnRef>
+          <a:fillRef idx="1">
+            <a:schemeClr val="accent1"/>
+          </a:fillRef>
+          <a:effectRef idx="0">
+            <a:schemeClr val="accent1"/>
+          </a:effectRef>
+          <a:fontRef idx="minor">
+            <a:schemeClr val="lt1"/>
+          </a:fontRef>
+        </p:style>
+        <p:txBody>
+          <a:bodyPr rtlCol="0" anchor="ctr"/>
+          <a:lstStyle/>
+          <a:p>
+            <a:pPr algn="ctr"/>
+            <a:r>
+              <a:rPr lang="en-US" sz="1300" dirty="0" smtClean="0">
+                <a:solidFill>
+                  <a:schemeClr val="tx1"/>
+                </a:solidFill>
+              </a:rPr>
+              <a:t>is (solveSudoku(sudoku)==true?</a:t>
+            </a:r>
+            <a:endParaRPr lang="en-US" sz="1300" dirty="0">
+              <a:solidFill>
+                <a:schemeClr val="tx1"/>
+              </a:solidFill>
+            </a:endParaRPr>
+          </a:p>
+        </p:txBody>
+      </p:sp>
+      <p:sp>
+        <p:nvSpPr>
+          <p:cNvPr id="24" name="Flowchart: Process 23"/>
+          <p:cNvSpPr/>
+          <p:nvPr/>
+        </p:nvSpPr>
+        <p:spPr>
+          <a:xfrm>
+            <a:off x="3143240" y="3857628"/>
+            <a:ext cx="2357454" cy="285752"/>
+          </a:xfrm>
+          <a:prstGeom prst="flowChartProcess">
+            <a:avLst/>
+          </a:prstGeom>
+          <a:noFill/>
+          <a:ln>
+            <a:solidFill>
+              <a:schemeClr val="tx1"/>
+            </a:solidFill>
+            <a:prstDash val="solid"/>
+          </a:ln>
+        </p:spPr>
+        <p:style>
+          <a:lnRef idx="2">
+            <a:schemeClr val="accent1">
+              <a:shade val="50000"/>
+            </a:schemeClr>
+          </a:lnRef>
+          <a:fillRef idx="1">
+            <a:schemeClr val="accent1"/>
+          </a:fillRef>
+          <a:effectRef idx="0">
+            <a:schemeClr val="accent1"/>
+          </a:effectRef>
+          <a:fontRef idx="minor">
+            <a:schemeClr val="lt1"/>
+          </a:fontRef>
+        </p:style>
+        <p:txBody>
+          <a:bodyPr rtlCol="0" anchor="ctr"/>
+          <a:lstStyle/>
+          <a:p>
+            <a:pPr algn="ctr"/>
+            <a:r>
+              <a:rPr lang="en-US" sz="1600" dirty="0" smtClean="0">
+                <a:solidFill>
+                  <a:schemeClr val="tx1"/>
+                </a:solidFill>
+              </a:rPr>
+              <a:t>s</a:t>
+            </a:r>
+            <a:r>
+              <a:rPr lang="en-US" sz="1600" dirty="0" smtClean="0">
+                <a:solidFill>
+                  <a:schemeClr val="tx1"/>
+                </a:solidFill>
+              </a:rPr>
+              <a:t>udoku[row][col]=num</a:t>
+            </a:r>
+            <a:endParaRPr lang="en-US" sz="1600" dirty="0">
+              <a:solidFill>
+                <a:schemeClr val="tx1"/>
+              </a:solidFill>
+            </a:endParaRPr>
+          </a:p>
+        </p:txBody>
+      </p:sp>
+      <p:sp>
+        <p:nvSpPr>
+          <p:cNvPr id="25" name="Flowchart: Process 24"/>
+          <p:cNvSpPr/>
+          <p:nvPr/>
+        </p:nvSpPr>
+        <p:spPr>
+          <a:xfrm>
+            <a:off x="6929454" y="4214818"/>
+            <a:ext cx="1214446" cy="285752"/>
+          </a:xfrm>
+          <a:prstGeom prst="flowChartProcess">
+            <a:avLst/>
+          </a:prstGeom>
+          <a:noFill/>
+          <a:ln>
+            <a:solidFill>
+              <a:schemeClr val="tx1"/>
+            </a:solidFill>
+            <a:prstDash val="solid"/>
+          </a:ln>
+        </p:spPr>
+        <p:style>
+          <a:lnRef idx="2">
+            <a:schemeClr val="accent1">
+              <a:shade val="50000"/>
+            </a:schemeClr>
+          </a:lnRef>
+          <a:fillRef idx="1">
+            <a:schemeClr val="accent1"/>
+          </a:fillRef>
+          <a:effectRef idx="0">
+            <a:schemeClr val="accent1"/>
+          </a:effectRef>
+          <a:fontRef idx="minor">
+            <a:schemeClr val="lt1"/>
+          </a:fontRef>
+        </p:style>
+        <p:txBody>
+          <a:bodyPr rtlCol="0" anchor="ctr"/>
+          <a:lstStyle/>
+          <a:p>
+            <a:pPr algn="ctr"/>
+            <a:r>
+              <a:rPr lang="en-US" sz="1300" dirty="0" smtClean="0">
+                <a:solidFill>
+                  <a:schemeClr val="tx1"/>
+                </a:solidFill>
+              </a:rPr>
+              <a:t>r</a:t>
+            </a:r>
+            <a:r>
+              <a:rPr lang="en-US" sz="1300" dirty="0" smtClean="0">
+                <a:solidFill>
+                  <a:schemeClr val="tx1"/>
+                </a:solidFill>
+              </a:rPr>
+              <a:t>eturn true;</a:t>
+            </a:r>
+            <a:endParaRPr lang="en-US" sz="1300" dirty="0">
+              <a:solidFill>
+                <a:schemeClr val="tx1"/>
+              </a:solidFill>
+            </a:endParaRPr>
+          </a:p>
+        </p:txBody>
+      </p:sp>
+      <p:sp>
+        <p:nvSpPr>
+          <p:cNvPr id="26" name="Flowchart: Process 25"/>
+          <p:cNvSpPr/>
+          <p:nvPr/>
+        </p:nvSpPr>
+        <p:spPr>
+          <a:xfrm>
+            <a:off x="2357422" y="5072074"/>
+            <a:ext cx="3500462" cy="285752"/>
+          </a:xfrm>
+          <a:prstGeom prst="flowChartProcess">
+            <a:avLst/>
+          </a:prstGeom>
+          <a:noFill/>
+          <a:ln>
+            <a:solidFill>
+              <a:schemeClr val="tx1"/>
+            </a:solidFill>
+            <a:prstDash val="solid"/>
+          </a:ln>
+        </p:spPr>
+        <p:style>
+          <a:lnRef idx="2">
+            <a:schemeClr val="accent1">
+              <a:shade val="50000"/>
+            </a:schemeClr>
+          </a:lnRef>
+          <a:fillRef idx="1">
+            <a:schemeClr val="accent1"/>
+          </a:fillRef>
+          <a:effectRef idx="0">
+            <a:schemeClr val="accent1"/>
+          </a:effectRef>
+          <a:fontRef idx="minor">
+            <a:schemeClr val="lt1"/>
+          </a:fontRef>
+        </p:style>
+        <p:txBody>
+          <a:bodyPr rtlCol="0" anchor="ctr"/>
+          <a:lstStyle/>
+          <a:p>
+            <a:pPr algn="ctr"/>
+            <a:r>
+              <a:rPr lang="en-US" sz="1500" dirty="0" smtClean="0">
+                <a:solidFill>
+                  <a:schemeClr val="tx1"/>
+                </a:solidFill>
+              </a:rPr>
+              <a:t>s</a:t>
+            </a:r>
+            <a:r>
+              <a:rPr lang="en-US" sz="1500" dirty="0" smtClean="0">
+                <a:solidFill>
+                  <a:schemeClr val="tx1"/>
+                </a:solidFill>
+              </a:rPr>
+              <a:t>udoku[row][col]=EMPTY; num++</a:t>
+            </a:r>
+            <a:endParaRPr lang="en-US" sz="1500" dirty="0">
+              <a:solidFill>
+                <a:schemeClr val="tx1"/>
+              </a:solidFill>
+            </a:endParaRPr>
+          </a:p>
+        </p:txBody>
+      </p:sp>
+      <p:sp>
+        <p:nvSpPr>
+          <p:cNvPr id="27" name="Flowchart: Process 26"/>
+          <p:cNvSpPr/>
+          <p:nvPr/>
+        </p:nvSpPr>
+        <p:spPr>
+          <a:xfrm>
+            <a:off x="2428860" y="5643578"/>
+            <a:ext cx="3429024" cy="357190"/>
+          </a:xfrm>
+          <a:prstGeom prst="flowChartProcess">
+            <a:avLst/>
+          </a:prstGeom>
+          <a:noFill/>
+          <a:ln>
+            <a:solidFill>
+              <a:schemeClr val="tx1"/>
+            </a:solidFill>
+            <a:prstDash val="solid"/>
+          </a:ln>
+        </p:spPr>
+        <p:style>
+          <a:lnRef idx="2">
+            <a:schemeClr val="accent1">
+              <a:shade val="50000"/>
+            </a:schemeClr>
+          </a:lnRef>
+          <a:fillRef idx="1">
+            <a:schemeClr val="accent1"/>
+          </a:fillRef>
+          <a:effectRef idx="0">
+            <a:schemeClr val="accent1"/>
+          </a:effectRef>
+          <a:fontRef idx="minor">
+            <a:schemeClr val="lt1"/>
+          </a:fontRef>
+        </p:style>
+        <p:txBody>
+          <a:bodyPr rtlCol="0" anchor="ctr"/>
+          <a:lstStyle/>
+          <a:p>
+            <a:pPr algn="ctr"/>
+            <a:r>
+              <a:rPr lang="en-US" dirty="0" smtClean="0">
+                <a:solidFill>
+                  <a:schemeClr val="tx1"/>
+                </a:solidFill>
+              </a:rPr>
+              <a:t>r</a:t>
+            </a:r>
+            <a:r>
+              <a:rPr lang="en-US" dirty="0" smtClean="0">
+                <a:solidFill>
+                  <a:schemeClr val="tx1"/>
+                </a:solidFill>
+              </a:rPr>
+              <a:t>eturn false;</a:t>
+            </a:r>
+            <a:endParaRPr lang="en-US" dirty="0">
+              <a:solidFill>
+                <a:schemeClr val="tx1"/>
+              </a:solidFill>
+            </a:endParaRPr>
+          </a:p>
+        </p:txBody>
+      </p:sp>
+      <p:cxnSp>
+        <p:nvCxnSpPr>
+          <p:cNvPr id="29" name="Straight Arrow Connector 28"/>
+          <p:cNvCxnSpPr>
+            <a:stCxn id="6" idx="2"/>
+          </p:cNvCxnSpPr>
+          <p:nvPr/>
+        </p:nvCxnSpPr>
+        <p:spPr>
+          <a:xfrm rot="16200000" flipH="1">
+            <a:off x="4161231" y="732215"/>
+            <a:ext cx="214314" cy="35719"/>
+          </a:xfrm>
+          <a:prstGeom prst="straightConnector1">
+            <a:avLst/>
+          </a:prstGeom>
+          <a:ln>
+            <a:tailEnd type="arrow"/>
+          </a:ln>
+        </p:spPr>
+        <p:style>
+          <a:lnRef idx="1">
+            <a:schemeClr val="accent1"/>
+          </a:lnRef>
+          <a:fillRef idx="0">
+            <a:schemeClr val="accent1"/>
+          </a:fillRef>
+          <a:effectRef idx="0">
+            <a:schemeClr val="accent1"/>
+          </a:effectRef>
+          <a:fontRef idx="minor">
+            <a:schemeClr val="tx1"/>
+          </a:fontRef>
+        </p:style>
+      </p:cxnSp>
+      <p:cxnSp>
+        <p:nvCxnSpPr>
+          <p:cNvPr id="31" name="Straight Arrow Connector 30"/>
+          <p:cNvCxnSpPr>
+            <a:stCxn id="10" idx="2"/>
+            <a:endCxn id="11" idx="0"/>
+          </p:cNvCxnSpPr>
+          <p:nvPr/>
+        </p:nvCxnSpPr>
+        <p:spPr>
+          <a:xfrm rot="16200000" flipH="1">
+            <a:off x="4143372" y="1321579"/>
+            <a:ext cx="142876" cy="71438"/>
+          </a:xfrm>
+          <a:prstGeom prst="straightConnector1">
+            <a:avLst/>
+          </a:prstGeom>
+          <a:ln>
+            <a:tailEnd type="arrow"/>
+          </a:ln>
+        </p:spPr>
+        <p:style>
+          <a:lnRef idx="1">
+            <a:schemeClr val="accent1"/>
+          </a:lnRef>
+          <a:fillRef idx="0">
+            <a:schemeClr val="accent1"/>
+          </a:fillRef>
+          <a:effectRef idx="0">
+            <a:schemeClr val="accent1"/>
+          </a:effectRef>
+          <a:fontRef idx="minor">
+            <a:schemeClr val="tx1"/>
+          </a:fontRef>
+        </p:style>
+      </p:cxnSp>
+      <p:cxnSp>
+        <p:nvCxnSpPr>
+          <p:cNvPr id="33" name="Straight Arrow Connector 32"/>
+          <p:cNvCxnSpPr>
+            <a:stCxn id="11" idx="2"/>
+            <a:endCxn id="19" idx="0"/>
+          </p:cNvCxnSpPr>
+          <p:nvPr/>
+        </p:nvCxnSpPr>
+        <p:spPr>
+          <a:xfrm rot="16200000" flipH="1">
+            <a:off x="4161231" y="2160975"/>
+            <a:ext cx="285752" cy="107157"/>
+          </a:xfrm>
+          <a:prstGeom prst="straightConnector1">
+            <a:avLst/>
+          </a:prstGeom>
+          <a:ln>
+            <a:tailEnd type="arrow"/>
+          </a:ln>
+        </p:spPr>
+        <p:style>
+          <a:lnRef idx="1">
+            <a:schemeClr val="accent1"/>
+          </a:lnRef>
+          <a:fillRef idx="0">
+            <a:schemeClr val="accent1"/>
+          </a:fillRef>
+          <a:effectRef idx="0">
+            <a:schemeClr val="accent1"/>
+          </a:effectRef>
+          <a:fontRef idx="minor">
+            <a:schemeClr val="tx1"/>
+          </a:fontRef>
+        </p:style>
+      </p:cxnSp>
+      <p:cxnSp>
+        <p:nvCxnSpPr>
+          <p:cNvPr id="35" name="Straight Arrow Connector 34"/>
+          <p:cNvCxnSpPr>
+            <a:stCxn id="19" idx="2"/>
+            <a:endCxn id="20" idx="0"/>
+          </p:cNvCxnSpPr>
+          <p:nvPr/>
+        </p:nvCxnSpPr>
+        <p:spPr>
+          <a:xfrm rot="16200000" flipH="1">
+            <a:off x="4196950" y="2946793"/>
+            <a:ext cx="357190" cy="35719"/>
+          </a:xfrm>
+          <a:prstGeom prst="straightConnector1">
+            <a:avLst/>
+          </a:prstGeom>
+          <a:ln>
+            <a:tailEnd type="arrow"/>
+          </a:ln>
+        </p:spPr>
+        <p:style>
+          <a:lnRef idx="1">
+            <a:schemeClr val="accent1"/>
+          </a:lnRef>
+          <a:fillRef idx="0">
+            <a:schemeClr val="accent1"/>
+          </a:fillRef>
+          <a:effectRef idx="0">
+            <a:schemeClr val="accent1"/>
+          </a:effectRef>
+          <a:fontRef idx="minor">
+            <a:schemeClr val="tx1"/>
+          </a:fontRef>
+        </p:style>
+      </p:cxnSp>
+      <p:cxnSp>
+        <p:nvCxnSpPr>
+          <p:cNvPr id="37" name="Straight Arrow Connector 36"/>
+          <p:cNvCxnSpPr>
+            <a:stCxn id="20" idx="2"/>
+            <a:endCxn id="24" idx="0"/>
+          </p:cNvCxnSpPr>
+          <p:nvPr/>
+        </p:nvCxnSpPr>
+        <p:spPr>
+          <a:xfrm rot="5400000">
+            <a:off x="4214810" y="3679033"/>
+            <a:ext cx="285752" cy="71438"/>
+          </a:xfrm>
+          <a:prstGeom prst="straightConnector1">
+            <a:avLst/>
+          </a:prstGeom>
+          <a:ln>
+            <a:tailEnd type="arrow"/>
+          </a:ln>
+        </p:spPr>
+        <p:style>
+          <a:lnRef idx="1">
+            <a:schemeClr val="accent1"/>
+          </a:lnRef>
+          <a:fillRef idx="0">
+            <a:schemeClr val="accent1"/>
+          </a:fillRef>
+          <a:effectRef idx="0">
+            <a:schemeClr val="accent1"/>
+          </a:effectRef>
+          <a:fontRef idx="minor">
+            <a:schemeClr val="tx1"/>
+          </a:fontRef>
+        </p:style>
+      </p:cxnSp>
+      <p:cxnSp>
+        <p:nvCxnSpPr>
+          <p:cNvPr id="39" name="Straight Arrow Connector 38"/>
+          <p:cNvCxnSpPr>
+            <a:stCxn id="24" idx="2"/>
+            <a:endCxn id="21" idx="0"/>
+          </p:cNvCxnSpPr>
+          <p:nvPr/>
+        </p:nvCxnSpPr>
+        <p:spPr>
+          <a:xfrm rot="5400000">
+            <a:off x="4268389" y="4161240"/>
+            <a:ext cx="71438" cy="35719"/>
+          </a:xfrm>
+          <a:prstGeom prst="straightConnector1">
+            <a:avLst/>
+          </a:prstGeom>
+          <a:ln>
+            <a:tailEnd type="arrow"/>
+          </a:ln>
+        </p:spPr>
+        <p:style>
+          <a:lnRef idx="1">
+            <a:schemeClr val="accent1"/>
+          </a:lnRef>
+          <a:fillRef idx="0">
+            <a:schemeClr val="accent1"/>
+          </a:fillRef>
+          <a:effectRef idx="0">
+            <a:schemeClr val="accent1"/>
+          </a:effectRef>
+          <a:fontRef idx="minor">
+            <a:schemeClr val="tx1"/>
+          </a:fontRef>
+        </p:style>
+      </p:cxnSp>
+      <p:cxnSp>
+        <p:nvCxnSpPr>
+          <p:cNvPr id="41" name="Straight Arrow Connector 40"/>
+          <p:cNvCxnSpPr>
+            <a:stCxn id="21" idx="3"/>
+            <a:endCxn id="25" idx="1"/>
+          </p:cNvCxnSpPr>
+          <p:nvPr/>
+        </p:nvCxnSpPr>
+        <p:spPr>
+          <a:xfrm flipV="1">
+            <a:off x="6643702" y="4357694"/>
+            <a:ext cx="285752" cy="142876"/>
+          </a:xfrm>
+          <a:prstGeom prst="straightConnector1">
+            <a:avLst/>
+          </a:prstGeom>
+          <a:ln>
+            <a:tailEnd type="arrow"/>
+          </a:ln>
+        </p:spPr>
+        <p:style>
+          <a:lnRef idx="1">
+            <a:schemeClr val="accent1"/>
+          </a:lnRef>
+          <a:fillRef idx="0">
+            <a:schemeClr val="accent1"/>
+          </a:fillRef>
+          <a:effectRef idx="0">
+            <a:schemeClr val="accent1"/>
+          </a:effectRef>
+          <a:fontRef idx="minor">
+            <a:schemeClr val="tx1"/>
+          </a:fontRef>
+        </p:style>
+      </p:cxnSp>
+      <p:cxnSp>
+        <p:nvCxnSpPr>
+          <p:cNvPr id="43" name="Straight Arrow Connector 42"/>
+          <p:cNvCxnSpPr>
+            <a:stCxn id="21" idx="2"/>
+            <a:endCxn id="26" idx="0"/>
+          </p:cNvCxnSpPr>
+          <p:nvPr/>
+        </p:nvCxnSpPr>
+        <p:spPr>
+          <a:xfrm rot="5400000">
+            <a:off x="4054075" y="4839901"/>
+            <a:ext cx="285752" cy="178595"/>
+          </a:xfrm>
+          <a:prstGeom prst="straightConnector1">
+            <a:avLst/>
+          </a:prstGeom>
+          <a:ln>
+            <a:tailEnd type="arrow"/>
+          </a:ln>
+        </p:spPr>
+        <p:style>
+          <a:lnRef idx="1">
+            <a:schemeClr val="accent1"/>
+          </a:lnRef>
+          <a:fillRef idx="0">
+            <a:schemeClr val="accent1"/>
+          </a:fillRef>
+          <a:effectRef idx="0">
+            <a:schemeClr val="accent1"/>
+          </a:effectRef>
+          <a:fontRef idx="minor">
+            <a:schemeClr val="tx1"/>
+          </a:fontRef>
+        </p:style>
+      </p:cxnSp>
+      <p:cxnSp>
+        <p:nvCxnSpPr>
+          <p:cNvPr id="45" name="Straight Arrow Connector 44"/>
+          <p:cNvCxnSpPr>
+            <a:stCxn id="26" idx="2"/>
+            <a:endCxn id="27" idx="0"/>
+          </p:cNvCxnSpPr>
+          <p:nvPr/>
+        </p:nvCxnSpPr>
+        <p:spPr>
+          <a:xfrm rot="16200000" flipH="1">
+            <a:off x="3982636" y="5482842"/>
+            <a:ext cx="285752" cy="35719"/>
+          </a:xfrm>
+          <a:prstGeom prst="straightConnector1">
+            <a:avLst/>
+          </a:prstGeom>
+          <a:ln>
+            <a:tailEnd type="arrow"/>
+          </a:ln>
+        </p:spPr>
+        <p:style>
+          <a:lnRef idx="1">
+            <a:schemeClr val="accent1"/>
+          </a:lnRef>
+          <a:fillRef idx="0">
+            <a:schemeClr val="accent1"/>
+          </a:fillRef>
+          <a:effectRef idx="0">
+            <a:schemeClr val="accent1"/>
+          </a:effectRef>
+          <a:fontRef idx="minor">
+            <a:schemeClr val="tx1"/>
+          </a:fontRef>
+        </p:style>
+      </p:cxnSp>
+      <p:cxnSp>
+        <p:nvCxnSpPr>
+          <p:cNvPr id="47" name="Straight Connector 46"/>
+          <p:cNvCxnSpPr>
+            <a:stCxn id="26" idx="1"/>
+          </p:cNvCxnSpPr>
+          <p:nvPr/>
+        </p:nvCxnSpPr>
+        <p:spPr>
+          <a:xfrm rot="10800000">
+            <a:off x="1357290" y="5214950"/>
+            <a:ext cx="1000132" cy="1588"/>
+          </a:xfrm>
+          <a:prstGeom prst="line">
+            <a:avLst/>
+          </a:prstGeom>
+        </p:spPr>
+        <p:style>
+          <a:lnRef idx="1">
+            <a:schemeClr val="accent1"/>
+          </a:lnRef>
+          <a:fillRef idx="0">
+            <a:schemeClr val="accent1"/>
+          </a:fillRef>
+          <a:effectRef idx="0">
+            <a:schemeClr val="accent1"/>
+          </a:effectRef>
+          <a:fontRef idx="minor">
+            <a:schemeClr val="tx1"/>
+          </a:fontRef>
+        </p:style>
+      </p:cxnSp>
+      <p:cxnSp>
+        <p:nvCxnSpPr>
+          <p:cNvPr id="49" name="Straight Connector 48"/>
+          <p:cNvCxnSpPr/>
+          <p:nvPr/>
+        </p:nvCxnSpPr>
+        <p:spPr>
+          <a:xfrm rot="5400000" flipH="1" flipV="1">
+            <a:off x="72200" y="3929066"/>
+            <a:ext cx="2570974" cy="794"/>
+          </a:xfrm>
+          <a:prstGeom prst="line">
+            <a:avLst/>
+          </a:prstGeom>
+        </p:spPr>
+        <p:style>
+          <a:lnRef idx="1">
+            <a:schemeClr val="accent1"/>
+          </a:lnRef>
+          <a:fillRef idx="0">
+            <a:schemeClr val="accent1"/>
+          </a:fillRef>
+          <a:effectRef idx="0">
+            <a:schemeClr val="accent1"/>
+          </a:effectRef>
+          <a:fontRef idx="minor">
+            <a:schemeClr val="tx1"/>
+          </a:fontRef>
+        </p:style>
+      </p:cxnSp>
+      <p:cxnSp>
+        <p:nvCxnSpPr>
+          <p:cNvPr id="51" name="Straight Arrow Connector 50"/>
+          <p:cNvCxnSpPr>
+            <a:endCxn id="19" idx="1"/>
+          </p:cNvCxnSpPr>
+          <p:nvPr/>
+        </p:nvCxnSpPr>
+        <p:spPr>
+          <a:xfrm flipV="1">
+            <a:off x="1357290" y="2571744"/>
+            <a:ext cx="1214446" cy="71438"/>
+          </a:xfrm>
+          <a:prstGeom prst="straightConnector1">
+            <a:avLst/>
+          </a:prstGeom>
+          <a:ln>
+            <a:tailEnd type="arrow"/>
+          </a:ln>
+        </p:spPr>
+        <p:style>
+          <a:lnRef idx="1">
+            <a:schemeClr val="accent1"/>
+          </a:lnRef>
+          <a:fillRef idx="0">
+            <a:schemeClr val="accent1"/>
+          </a:fillRef>
+          <a:effectRef idx="0">
+            <a:schemeClr val="accent1"/>
+          </a:effectRef>
+          <a:fontRef idx="minor">
+            <a:schemeClr val="tx1"/>
+          </a:fontRef>
+        </p:style>
+      </p:cxnSp>
+      <p:cxnSp>
+        <p:nvCxnSpPr>
+          <p:cNvPr id="61" name="Straight Connector 60"/>
+          <p:cNvCxnSpPr>
+            <a:stCxn id="20" idx="3"/>
+          </p:cNvCxnSpPr>
+          <p:nvPr/>
+        </p:nvCxnSpPr>
+        <p:spPr>
+          <a:xfrm>
+            <a:off x="6143636" y="3357562"/>
+            <a:ext cx="500066" cy="1588"/>
+          </a:xfrm>
+          <a:prstGeom prst="line">
+            <a:avLst/>
+          </a:prstGeom>
+        </p:spPr>
+        <p:style>
+          <a:lnRef idx="1">
+            <a:schemeClr val="accent1"/>
+          </a:lnRef>
+          <a:fillRef idx="0">
+            <a:schemeClr val="accent1"/>
+          </a:fillRef>
+          <a:effectRef idx="0">
+            <a:schemeClr val="accent1"/>
+          </a:effectRef>
+          <a:fontRef idx="minor">
+            <a:schemeClr val="tx1"/>
+          </a:fontRef>
+        </p:style>
+      </p:cxnSp>
+      <p:cxnSp>
+        <p:nvCxnSpPr>
+          <p:cNvPr id="63" name="Straight Connector 62"/>
+          <p:cNvCxnSpPr/>
+          <p:nvPr/>
+        </p:nvCxnSpPr>
+        <p:spPr>
+          <a:xfrm>
+            <a:off x="6500826" y="3357562"/>
+            <a:ext cx="1928826" cy="1588"/>
+          </a:xfrm>
+          <a:prstGeom prst="line">
+            <a:avLst/>
+          </a:prstGeom>
+        </p:spPr>
+        <p:style>
+          <a:lnRef idx="1">
+            <a:schemeClr val="accent1"/>
+          </a:lnRef>
+          <a:fillRef idx="0">
+            <a:schemeClr val="accent1"/>
+          </a:fillRef>
+          <a:effectRef idx="0">
+            <a:schemeClr val="accent1"/>
+          </a:effectRef>
+          <a:fontRef idx="minor">
+            <a:schemeClr val="tx1"/>
+          </a:fontRef>
+        </p:style>
+      </p:cxnSp>
+      <p:cxnSp>
+        <p:nvCxnSpPr>
+          <p:cNvPr id="65" name="Straight Connector 64"/>
+          <p:cNvCxnSpPr/>
+          <p:nvPr/>
+        </p:nvCxnSpPr>
+        <p:spPr>
+          <a:xfrm rot="5400000">
+            <a:off x="7679553" y="4107661"/>
+            <a:ext cx="1500198" cy="1588"/>
+          </a:xfrm>
+          <a:prstGeom prst="line">
+            <a:avLst/>
+          </a:prstGeom>
+        </p:spPr>
+        <p:style>
+          <a:lnRef idx="1">
+            <a:schemeClr val="accent1"/>
+          </a:lnRef>
+          <a:fillRef idx="0">
+            <a:schemeClr val="accent1"/>
+          </a:fillRef>
+          <a:effectRef idx="0">
+            <a:schemeClr val="accent1"/>
+          </a:effectRef>
+          <a:fontRef idx="minor">
+            <a:schemeClr val="tx1"/>
+          </a:fontRef>
+        </p:style>
+      </p:cxnSp>
+      <p:cxnSp>
+        <p:nvCxnSpPr>
+          <p:cNvPr id="67" name="Straight Connector 66"/>
+          <p:cNvCxnSpPr/>
+          <p:nvPr/>
+        </p:nvCxnSpPr>
+        <p:spPr>
+          <a:xfrm flipV="1">
+            <a:off x="4214810" y="4857760"/>
+            <a:ext cx="4214842" cy="71438"/>
+          </a:xfrm>
+          <a:prstGeom prst="line">
+            <a:avLst/>
+          </a:prstGeom>
+        </p:spPr>
+        <p:style>
+          <a:lnRef idx="1">
+            <a:schemeClr val="accent1"/>
+          </a:lnRef>
+          <a:fillRef idx="0">
+            <a:schemeClr val="accent1"/>
+          </a:fillRef>
+          <a:effectRef idx="0">
+            <a:schemeClr val="accent1"/>
+          </a:effectRef>
+          <a:fontRef idx="minor">
+            <a:schemeClr val="tx1"/>
+          </a:fontRef>
+        </p:style>
+      </p:cxnSp>
+      <p:cxnSp>
+        <p:nvCxnSpPr>
+          <p:cNvPr id="70" name="Straight Connector 69"/>
+          <p:cNvCxnSpPr>
+            <a:stCxn id="19" idx="3"/>
+          </p:cNvCxnSpPr>
+          <p:nvPr/>
+        </p:nvCxnSpPr>
+        <p:spPr>
+          <a:xfrm>
+            <a:off x="6143636" y="2571744"/>
+            <a:ext cx="2500330" cy="1588"/>
+          </a:xfrm>
+          <a:prstGeom prst="line">
+            <a:avLst/>
+          </a:prstGeom>
+        </p:spPr>
+        <p:style>
+          <a:lnRef idx="1">
+            <a:schemeClr val="accent1"/>
+          </a:lnRef>
+          <a:fillRef idx="0">
+            <a:schemeClr val="accent1"/>
+          </a:fillRef>
+          <a:effectRef idx="0">
+            <a:schemeClr val="accent1"/>
+          </a:effectRef>
+          <a:fontRef idx="minor">
+            <a:schemeClr val="tx1"/>
+          </a:fontRef>
+        </p:style>
+      </p:cxnSp>
+      <p:cxnSp>
+        <p:nvCxnSpPr>
+          <p:cNvPr id="72" name="Straight Connector 71"/>
+          <p:cNvCxnSpPr/>
+          <p:nvPr/>
+        </p:nvCxnSpPr>
+        <p:spPr>
+          <a:xfrm rot="5400000">
+            <a:off x="7250925" y="3964785"/>
+            <a:ext cx="2786082" cy="1588"/>
+          </a:xfrm>
+          <a:prstGeom prst="line">
+            <a:avLst/>
+          </a:prstGeom>
+        </p:spPr>
+        <p:style>
+          <a:lnRef idx="1">
+            <a:schemeClr val="accent1"/>
+          </a:lnRef>
+          <a:fillRef idx="0">
+            <a:schemeClr val="accent1"/>
+          </a:fillRef>
+          <a:effectRef idx="0">
+            <a:schemeClr val="accent1"/>
+          </a:effectRef>
+          <a:fontRef idx="minor">
+            <a:schemeClr val="tx1"/>
+          </a:fontRef>
+        </p:style>
+      </p:cxnSp>
+      <p:cxnSp>
+        <p:nvCxnSpPr>
+          <p:cNvPr id="74" name="Straight Connector 73"/>
+          <p:cNvCxnSpPr/>
+          <p:nvPr/>
+        </p:nvCxnSpPr>
+        <p:spPr>
+          <a:xfrm flipV="1">
+            <a:off x="4143372" y="5357826"/>
+            <a:ext cx="4500594" cy="142876"/>
+          </a:xfrm>
+          <a:prstGeom prst="line">
+            <a:avLst/>
+          </a:prstGeom>
+        </p:spPr>
+        <p:style>
+          <a:lnRef idx="1">
+            <a:schemeClr val="accent1"/>
+          </a:lnRef>
+          <a:fillRef idx="0">
+            <a:schemeClr val="accent1"/>
+          </a:fillRef>
+          <a:effectRef idx="0">
+            <a:schemeClr val="accent1"/>
+          </a:effectRef>
+          <a:fontRef idx="minor">
+            <a:schemeClr val="tx1"/>
+          </a:fontRef>
+        </p:style>
+      </p:cxnSp>
+      <p:sp>
+        <p:nvSpPr>
+          <p:cNvPr id="76" name="TextBox 75"/>
+          <p:cNvSpPr txBox="1"/>
+          <p:nvPr/>
+        </p:nvSpPr>
+        <p:spPr>
+          <a:xfrm>
+            <a:off x="6143636" y="3071810"/>
+            <a:ext cx="428628" cy="369332"/>
+          </a:xfrm>
+          <a:prstGeom prst="rect">
+            <a:avLst/>
+          </a:prstGeom>
+          <a:noFill/>
+        </p:spPr>
+        <p:txBody>
+          <a:bodyPr wrap="square" rtlCol="0">
+            <a:spAutoFit/>
+          </a:bodyPr>
+          <a:lstStyle/>
+          <a:p>
+            <a:r>
+              <a:rPr lang="en-US" dirty="0" smtClean="0">
+                <a:solidFill>
+                  <a:schemeClr val="accent1"/>
+                </a:solidFill>
+              </a:rPr>
+              <a:t>Y</a:t>
+            </a:r>
+            <a:endParaRPr lang="en-US" dirty="0">
+              <a:solidFill>
+                <a:schemeClr val="accent1"/>
+              </a:solidFill>
+            </a:endParaRPr>
+          </a:p>
+        </p:txBody>
+      </p:sp>
+      <p:sp>
+        <p:nvSpPr>
+          <p:cNvPr id="77" name="TextBox 76"/>
+          <p:cNvSpPr txBox="1"/>
+          <p:nvPr/>
+        </p:nvSpPr>
+        <p:spPr>
+          <a:xfrm>
+            <a:off x="4429124" y="3571876"/>
+            <a:ext cx="357190" cy="369332"/>
+          </a:xfrm>
+          <a:prstGeom prst="rect">
+            <a:avLst/>
+          </a:prstGeom>
+          <a:noFill/>
+        </p:spPr>
+        <p:txBody>
+          <a:bodyPr wrap="square" rtlCol="0">
+            <a:spAutoFit/>
+          </a:bodyPr>
+          <a:lstStyle/>
+          <a:p>
+            <a:r>
+              <a:rPr lang="en-US" dirty="0" smtClean="0">
+                <a:solidFill>
+                  <a:schemeClr val="accent1"/>
+                </a:solidFill>
+              </a:rPr>
+              <a:t>N</a:t>
+            </a:r>
+            <a:endParaRPr lang="en-US" dirty="0">
+              <a:solidFill>
+                <a:schemeClr val="accent1"/>
+              </a:solidFill>
+            </a:endParaRPr>
+          </a:p>
+        </p:txBody>
+      </p:sp>
+      <p:sp>
+        <p:nvSpPr>
+          <p:cNvPr id="78" name="TextBox 77"/>
+          <p:cNvSpPr txBox="1"/>
+          <p:nvPr/>
+        </p:nvSpPr>
+        <p:spPr>
+          <a:xfrm>
+            <a:off x="6429388" y="4143380"/>
+            <a:ext cx="428628" cy="369332"/>
+          </a:xfrm>
+          <a:prstGeom prst="rect">
+            <a:avLst/>
+          </a:prstGeom>
+          <a:noFill/>
+        </p:spPr>
+        <p:txBody>
+          <a:bodyPr wrap="square" rtlCol="0">
+            <a:spAutoFit/>
+          </a:bodyPr>
+          <a:lstStyle/>
+          <a:p>
+            <a:r>
+              <a:rPr lang="en-US" dirty="0" smtClean="0">
+                <a:solidFill>
+                  <a:schemeClr val="accent1"/>
+                </a:solidFill>
+              </a:rPr>
+              <a:t>Y</a:t>
+            </a:r>
+            <a:endParaRPr lang="en-US" dirty="0">
+              <a:solidFill>
+                <a:schemeClr val="accent1"/>
+              </a:solidFill>
+            </a:endParaRPr>
+          </a:p>
+        </p:txBody>
+      </p:sp>
+      <p:sp>
+        <p:nvSpPr>
+          <p:cNvPr id="79" name="TextBox 78"/>
+          <p:cNvSpPr txBox="1"/>
+          <p:nvPr/>
+        </p:nvSpPr>
+        <p:spPr>
+          <a:xfrm>
+            <a:off x="3643306" y="4786322"/>
+            <a:ext cx="428628" cy="369332"/>
+          </a:xfrm>
+          <a:prstGeom prst="rect">
+            <a:avLst/>
+          </a:prstGeom>
+          <a:noFill/>
+        </p:spPr>
+        <p:txBody>
+          <a:bodyPr wrap="square" rtlCol="0">
+            <a:spAutoFit/>
+          </a:bodyPr>
+          <a:lstStyle/>
+          <a:p>
+            <a:r>
+              <a:rPr lang="en-US" dirty="0" smtClean="0">
+                <a:solidFill>
+                  <a:schemeClr val="accent1"/>
+                </a:solidFill>
+              </a:rPr>
+              <a:t>N</a:t>
+            </a:r>
+            <a:endParaRPr lang="en-US" dirty="0">
+              <a:solidFill>
+                <a:schemeClr val="accent1"/>
+              </a:solidFill>
+            </a:endParaRPr>
+          </a:p>
+        </p:txBody>
+      </p:sp>
+      <p:sp>
+        <p:nvSpPr>
+          <p:cNvPr id="80" name="TextBox 79"/>
+          <p:cNvSpPr txBox="1"/>
+          <p:nvPr/>
+        </p:nvSpPr>
+        <p:spPr>
+          <a:xfrm>
+            <a:off x="6143636" y="1357298"/>
+            <a:ext cx="500066" cy="369332"/>
+          </a:xfrm>
+          <a:prstGeom prst="rect">
+            <a:avLst/>
+          </a:prstGeom>
+          <a:noFill/>
+        </p:spPr>
+        <p:txBody>
+          <a:bodyPr wrap="square" rtlCol="0">
+            <a:spAutoFit/>
+          </a:bodyPr>
+          <a:lstStyle/>
+          <a:p>
+            <a:r>
+              <a:rPr lang="en-US" dirty="0" smtClean="0">
+                <a:solidFill>
+                  <a:schemeClr val="accent1"/>
+                </a:solidFill>
+              </a:rPr>
+              <a:t>N</a:t>
+            </a:r>
+            <a:endParaRPr lang="en-US" dirty="0">
+              <a:solidFill>
+                <a:schemeClr val="accent1"/>
+              </a:solidFill>
+            </a:endParaRPr>
+          </a:p>
+        </p:txBody>
+      </p:sp>
+      <p:sp>
+        <p:nvSpPr>
+          <p:cNvPr id="81" name="TextBox 80"/>
+          <p:cNvSpPr txBox="1"/>
+          <p:nvPr/>
+        </p:nvSpPr>
+        <p:spPr>
+          <a:xfrm>
+            <a:off x="4500562" y="2000240"/>
+            <a:ext cx="428628" cy="369332"/>
+          </a:xfrm>
+          <a:prstGeom prst="rect">
+            <a:avLst/>
+          </a:prstGeom>
+          <a:noFill/>
+        </p:spPr>
+        <p:txBody>
+          <a:bodyPr wrap="square" rtlCol="0">
+            <a:spAutoFit/>
+          </a:bodyPr>
+          <a:lstStyle/>
+          <a:p>
+            <a:r>
+              <a:rPr lang="en-US" dirty="0" smtClean="0">
+                <a:solidFill>
+                  <a:schemeClr val="accent1"/>
+                </a:solidFill>
+              </a:rPr>
+              <a:t>Y</a:t>
+            </a:r>
+            <a:endParaRPr lang="en-US" dirty="0">
+              <a:solidFill>
+                <a:schemeClr val="accent1"/>
+              </a:solidFill>
+            </a:endParaRPr>
+          </a:p>
+        </p:txBody>
+      </p:sp>
+      <p:sp>
+        <p:nvSpPr>
+          <p:cNvPr id="82" name="TextBox 81"/>
+          <p:cNvSpPr txBox="1"/>
+          <p:nvPr/>
+        </p:nvSpPr>
+        <p:spPr>
+          <a:xfrm>
+            <a:off x="6286512" y="5929330"/>
+            <a:ext cx="2071702" cy="369332"/>
+          </a:xfrm>
+          <a:prstGeom prst="rect">
+            <a:avLst/>
+          </a:prstGeom>
+          <a:noFill/>
+        </p:spPr>
+        <p:txBody>
+          <a:bodyPr wrap="square" rtlCol="0">
+            <a:spAutoFit/>
+          </a:bodyPr>
+          <a:lstStyle/>
+          <a:p>
+            <a:r>
+              <a:rPr lang="en-US" dirty="0" smtClean="0"/>
+              <a:t>Fig: Flowchart</a:t>
+            </a:r>
+            <a:endParaRPr lang="en-US" dirty="0"/>
+          </a:p>
+        </p:txBody>
+      </p:sp>
+    </p:spTree>
+  </p:cSld>
+  <p:clrMapOvr>
+    <a:masterClrMapping/>
+  </p:clrMapOvr>
+  <p:timing>
+    <p:tnLst>
+      <p:par>
+        <p:cTn id="1" dur="indefinite" restart="never" nodeType="tmRoot"/>
+      </p:par>
+    </p:tnLst>
+  </p:timing>
+</p:sld>
+</file>
+
+<file path=ppt/slides/slide8.xml><?xml version="1.0" encoding="utf-8"?>
+<p:sld xmlns:a="http://schemas.openxmlformats.org/drawingml/2006/main" xmlns:r="http://schemas.openxmlformats.org/officeDocument/2006/relationships" xmlns:p="http://schemas.openxmlformats.org/presentationml/2006/main">
+  <p:cSld>
+    <p:spTree>
+      <p:nvGrpSpPr>
+        <p:cNvPr id="1" name=""/>
+        <p:cNvGrpSpPr/>
+        <p:nvPr/>
+      </p:nvGrpSpPr>
+      <p:grpSpPr>
+        <a:xfrm>
+          <a:off x="0" y="0"/>
+          <a:ext cx="0" cy="0"/>
+          <a:chOff x="0" y="0"/>
+          <a:chExt cx="0" cy="0"/>
+        </a:xfrm>
+      </p:grpSpPr>
+      <p:sp>
+        <p:nvSpPr>
+          <p:cNvPr id="2" name="Title 1"/>
+          <p:cNvSpPr>
+            <a:spLocks noGrp="1"/>
+          </p:cNvSpPr>
+          <p:nvPr>
+            <p:ph type="title"/>
+          </p:nvPr>
+        </p:nvSpPr>
+        <p:spPr/>
+        <p:txBody>
+          <a:bodyPr/>
+          <a:lstStyle/>
+          <a:p>
+            <a:r>
+              <a:rPr lang="en-US" dirty="0" smtClean="0"/>
+              <a:t>OUTPUT  SNAPSHOTS</a:t>
+            </a:r>
+            <a:endParaRPr lang="en-US" dirty="0"/>
+          </a:p>
+        </p:txBody>
+      </p:sp>
+      <p:pic>
+        <p:nvPicPr>
+          <p:cNvPr id="4" name="Content Placeholder 3" descr="output3.jpg"/>
+          <p:cNvPicPr>
+            <a:picLocks noGrp="1" noChangeAspect="1"/>
+          </p:cNvPicPr>
+          <p:nvPr>
+            <p:ph sz="quarter" idx="1"/>
+          </p:nvPr>
+        </p:nvPicPr>
+        <p:blipFill>
+          <a:blip r:embed="rId2"/>
+          <a:stretch>
+            <a:fillRect/>
+          </a:stretch>
+        </p:blipFill>
+        <p:spPr>
+          <a:xfrm>
+            <a:off x="428596" y="1571612"/>
+            <a:ext cx="8286808" cy="4786346"/>
+          </a:xfrm>
+        </p:spPr>
+      </p:pic>
+    </p:spTree>
+  </p:cSld>
+  <p:clrMapOvr>
+    <a:masterClrMapping/>
+  </p:clrMapOvr>
+  <p:timing>
+    <p:tnLst>
+      <p:par>
+        <p:cTn id="1" dur="indefinite" restart="never" nodeType="tmRoot"/>
+      </p:par>
+    </p:tnLst>
+  </p:timing>
+</p:sld>
+</file>
+
+<file path=ppt/slides/slide9.xml><?xml version="1.0" encoding="utf-8"?>
+<p:sld xmlns:a="http://schemas.openxmlformats.org/drawingml/2006/main" xmlns:r="http://schemas.openxmlformats.org/officeDocument/2006/relationships" xmlns:p="http://schemas.openxmlformats.org/presentationml/2006/main">
+  <p:cSld>
+    <p:spTree>
+      <p:nvGrpSpPr>
+        <p:cNvPr id="1" name=""/>
+        <p:cNvGrpSpPr/>
+        <p:nvPr/>
+      </p:nvGrpSpPr>
+      <p:grpSpPr>
+        <a:xfrm>
+          <a:off x="0" y="0"/>
+          <a:ext cx="0" cy="0"/>
+          <a:chOff x="0" y="0"/>
+          <a:chExt cx="0" cy="0"/>
+        </a:xfrm>
+      </p:grpSpPr>
+      <p:pic>
+        <p:nvPicPr>
+          <p:cNvPr id="2" name="Picture 1" descr="output4.jpg"/>
+          <p:cNvPicPr>
+            <a:picLocks noChangeAspect="1"/>
+          </p:cNvPicPr>
+          <p:nvPr/>
+        </p:nvPicPr>
+        <p:blipFill>
+          <a:blip r:embed="rId2"/>
+          <a:stretch>
+            <a:fillRect/>
+          </a:stretch>
+        </p:blipFill>
+        <p:spPr>
+          <a:xfrm>
+            <a:off x="285720" y="1000108"/>
+            <a:ext cx="8677275" cy="5214974"/>
+          </a:xfrm>
+          <a:prstGeom prst="rect">
+            <a:avLst/>
+          </a:prstGeom>
+        </p:spPr>
+      </p:pic>
+      <p:sp>
+        <p:nvSpPr>
+          <p:cNvPr id="3" name="TextBox 2"/>
+          <p:cNvSpPr txBox="1"/>
+          <p:nvPr/>
+        </p:nvSpPr>
+        <p:spPr>
+          <a:xfrm>
+            <a:off x="1071538" y="428604"/>
+            <a:ext cx="6643734" cy="369332"/>
+          </a:xfrm>
+          <a:prstGeom prst="rect">
+            <a:avLst/>
+          </a:prstGeom>
+          <a:noFill/>
+        </p:spPr>
+        <p:txBody>
+          <a:bodyPr wrap="square" rtlCol="0">
+            <a:spAutoFit/>
+          </a:bodyPr>
+          <a:lstStyle/>
+          <a:p>
+            <a:pPr algn="ctr"/>
+            <a:r>
+              <a:rPr lang="en-US" dirty="0" smtClean="0"/>
+              <a:t>Filling the Sudoku Grid</a:t>
+            </a:r>
+            <a:endParaRPr lang="en-US" dirty="0"/>
+          </a:p>
+        </p:txBody>
+      </p:sp>
+    </p:spTree>
+  </p:cSld>
+  <p:clrMapOvr>
+    <a:masterClrMapping/>
+  </p:clrMapOvr>
+  <p:timing>
+    <p:tnLst>
+      <p:par>
+        <p:cTn id="1" dur="indefinite" restart="never" nodeType="tmRoot"/>
+      </p:par>
+    </p:tnLst>
+  </p:timing>
+</p:sld>
+</file>
+
 <file path=ppt/theme/theme1.xml><?xml version="1.0" encoding="utf-8"?>
 <a:theme xmlns:a="http://schemas.openxmlformats.org/drawingml/2006/main" name="Civic">
   <a:themeElements>

--- a/Sudoku Solver.pptx
+++ b/Sudoku Solver.pptx
@@ -5,7 +5,7 @@
     <p:sldMasterId id="2147483672" r:id="rId1"/>
   </p:sldMasterIdLst>
   <p:notesMasterIdLst>
-    <p:notesMasterId r:id="rId14"/>
+    <p:notesMasterId r:id="rId15"/>
   </p:notesMasterIdLst>
   <p:sldIdLst>
     <p:sldId id="256" r:id="rId2"/>
@@ -18,8 +18,9 @@
     <p:sldId id="262" r:id="rId9"/>
     <p:sldId id="263" r:id="rId10"/>
     <p:sldId id="264" r:id="rId11"/>
-    <p:sldId id="267" r:id="rId12"/>
-    <p:sldId id="268" r:id="rId13"/>
+    <p:sldId id="269" r:id="rId12"/>
+    <p:sldId id="267" r:id="rId13"/>
+    <p:sldId id="268" r:id="rId14"/>
   </p:sldIdLst>
   <p:sldSz cx="9144000" cy="6858000" type="screen4x3"/>
   <p:notesSz cx="6858000" cy="9144000"/>
@@ -204,7 +205,7 @@
             <a:fld id="{6B486042-7536-4A2D-A26A-7BBC7BAE881A}" type="datetimeFigureOut">
               <a:rPr lang="en-US" smtClean="0"/>
               <a:pPr/>
-              <a:t>3/1/2018</a:t>
+              <a:t>3/2/2018</a:t>
             </a:fld>
             <a:endParaRPr lang="en-US"/>
           </a:p>
@@ -926,7 +927,7 @@
             <a:fld id="{5E64D575-F8C7-4434-A9A7-C485AAFDFA7A}" type="datetimeFigureOut">
               <a:rPr lang="en-US" smtClean="0"/>
               <a:pPr/>
-              <a:t>3/1/2018</a:t>
+              <a:t>3/2/2018</a:t>
             </a:fld>
             <a:endParaRPr lang="en-US"/>
           </a:p>
@@ -1321,7 +1322,7 @@
             <a:fld id="{5E64D575-F8C7-4434-A9A7-C485AAFDFA7A}" type="datetimeFigureOut">
               <a:rPr lang="en-US" smtClean="0"/>
               <a:pPr/>
-              <a:t>3/1/2018</a:t>
+              <a:t>3/2/2018</a:t>
             </a:fld>
             <a:endParaRPr lang="en-US"/>
           </a:p>
@@ -1856,7 +1857,7 @@
             <a:fld id="{5E64D575-F8C7-4434-A9A7-C485AAFDFA7A}" type="datetimeFigureOut">
               <a:rPr lang="en-US" smtClean="0"/>
               <a:pPr/>
-              <a:t>3/1/2018</a:t>
+              <a:t>3/2/2018</a:t>
             </a:fld>
             <a:endParaRPr lang="en-US"/>
           </a:p>
@@ -1990,7 +1991,7 @@
             <a:fld id="{5E64D575-F8C7-4434-A9A7-C485AAFDFA7A}" type="datetimeFigureOut">
               <a:rPr lang="en-US" smtClean="0"/>
               <a:pPr/>
-              <a:t>3/1/2018</a:t>
+              <a:t>3/2/2018</a:t>
             </a:fld>
             <a:endParaRPr lang="en-US"/>
           </a:p>
@@ -2535,7 +2536,7 @@
             <a:fld id="{5E64D575-F8C7-4434-A9A7-C485AAFDFA7A}" type="datetimeFigureOut">
               <a:rPr lang="en-US" smtClean="0"/>
               <a:pPr/>
-              <a:t>3/1/2018</a:t>
+              <a:t>3/2/2018</a:t>
             </a:fld>
             <a:endParaRPr lang="en-US"/>
           </a:p>
@@ -2832,7 +2833,7 @@
             <a:fld id="{5E64D575-F8C7-4434-A9A7-C485AAFDFA7A}" type="datetimeFigureOut">
               <a:rPr lang="en-US" smtClean="0"/>
               <a:pPr/>
-              <a:t>3/1/2018</a:t>
+              <a:t>3/2/2018</a:t>
             </a:fld>
             <a:endParaRPr lang="en-US"/>
           </a:p>
@@ -3493,7 +3494,7 @@
             <a:fld id="{5E64D575-F8C7-4434-A9A7-C485AAFDFA7A}" type="datetimeFigureOut">
               <a:rPr lang="en-US" smtClean="0"/>
               <a:pPr/>
-              <a:t>3/1/2018</a:t>
+              <a:t>3/2/2018</a:t>
             </a:fld>
             <a:endParaRPr lang="en-US"/>
           </a:p>
@@ -3931,7 +3932,7 @@
             <a:fld id="{5E64D575-F8C7-4434-A9A7-C485AAFDFA7A}" type="datetimeFigureOut">
               <a:rPr lang="en-US" smtClean="0"/>
               <a:pPr/>
-              <a:t>3/1/2018</a:t>
+              <a:t>3/2/2018</a:t>
             </a:fld>
             <a:endParaRPr lang="en-US"/>
           </a:p>
@@ -4246,7 +4247,7 @@
             <a:fld id="{5E64D575-F8C7-4434-A9A7-C485AAFDFA7A}" type="datetimeFigureOut">
               <a:rPr lang="en-US" smtClean="0"/>
               <a:pPr/>
-              <a:t>3/1/2018</a:t>
+              <a:t>3/2/2018</a:t>
             </a:fld>
             <a:endParaRPr lang="en-US"/>
           </a:p>
@@ -4981,7 +4982,7 @@
             <a:fld id="{5E64D575-F8C7-4434-A9A7-C485AAFDFA7A}" type="datetimeFigureOut">
               <a:rPr lang="en-US" smtClean="0"/>
               <a:pPr/>
-              <a:t>3/1/2018</a:t>
+              <a:t>3/2/2018</a:t>
             </a:fld>
             <a:endParaRPr lang="en-US"/>
           </a:p>
@@ -5647,7 +5648,7 @@
             <a:fld id="{5E64D575-F8C7-4434-A9A7-C485AAFDFA7A}" type="datetimeFigureOut">
               <a:rPr lang="en-US" smtClean="0"/>
               <a:pPr/>
-              <a:t>3/1/2018</a:t>
+              <a:t>3/2/2018</a:t>
             </a:fld>
             <a:endParaRPr lang="en-US"/>
           </a:p>
@@ -5921,7 +5922,7 @@
             <a:fld id="{5E64D575-F8C7-4434-A9A7-C485AAFDFA7A}" type="datetimeFigureOut">
               <a:rPr lang="en-US" smtClean="0"/>
               <a:pPr/>
-              <a:t>3/1/2018</a:t>
+              <a:t>3/2/2018</a:t>
             </a:fld>
             <a:endParaRPr lang="en-US"/>
           </a:p>
@@ -6822,6 +6823,152 @@
       </p:grpSpPr>
       <p:sp>
         <p:nvSpPr>
+          <p:cNvPr id="2" name="Title 1"/>
+          <p:cNvSpPr>
+            <a:spLocks noGrp="1"/>
+          </p:cNvSpPr>
+          <p:nvPr>
+            <p:ph type="title"/>
+          </p:nvPr>
+        </p:nvSpPr>
+        <p:spPr/>
+        <p:txBody>
+          <a:bodyPr/>
+          <a:lstStyle/>
+          <a:p>
+            <a:r>
+              <a:rPr lang="en-US" dirty="0" smtClean="0"/>
+              <a:t>Problems and future enhancements</a:t>
+            </a:r>
+            <a:endParaRPr lang="en-US" dirty="0"/>
+          </a:p>
+        </p:txBody>
+      </p:sp>
+      <p:sp>
+        <p:nvSpPr>
+          <p:cNvPr id="3" name="Content Placeholder 2"/>
+          <p:cNvSpPr>
+            <a:spLocks noGrp="1"/>
+          </p:cNvSpPr>
+          <p:nvPr>
+            <p:ph sz="quarter" idx="1"/>
+          </p:nvPr>
+        </p:nvSpPr>
+        <p:spPr/>
+        <p:txBody>
+          <a:bodyPr/>
+          <a:lstStyle/>
+          <a:p>
+            <a:r>
+              <a:rPr lang="en-US" dirty="0" smtClean="0"/>
+              <a:t>Have to enter zero for every empty cell</a:t>
+            </a:r>
+            <a:br>
+              <a:rPr lang="en-US" dirty="0" smtClean="0"/>
+            </a:br>
+            <a:r>
+              <a:rPr lang="en-US" dirty="0" smtClean="0"/>
+              <a:t>      </a:t>
+            </a:r>
+            <a:r>
+              <a:rPr lang="en-US" sz="1600" dirty="0" smtClean="0"/>
+              <a:t>We plan to make a program where the user only has to enter certain cells.  </a:t>
+            </a:r>
+            <a:endParaRPr lang="en-US" dirty="0" smtClean="0"/>
+          </a:p>
+          <a:p>
+            <a:r>
+              <a:rPr lang="en-US" dirty="0" smtClean="0"/>
+              <a:t>Cursor change using only enter keys</a:t>
+            </a:r>
+            <a:br>
+              <a:rPr lang="en-US" dirty="0" smtClean="0"/>
+            </a:br>
+            <a:r>
+              <a:rPr lang="en-US" sz="1600" dirty="0" smtClean="0"/>
+              <a:t> </a:t>
+            </a:r>
+            <a:r>
+              <a:rPr lang="en-US" sz="1600" dirty="0" smtClean="0"/>
+              <a:t>         We plan to introduce arrow keys which would also solve the above problem.</a:t>
+            </a:r>
+          </a:p>
+          <a:p>
+            <a:r>
+              <a:rPr lang="en-US" dirty="0" smtClean="0"/>
+              <a:t>Plan to make Sudoku game</a:t>
+            </a:r>
+            <a:br>
+              <a:rPr lang="en-US" dirty="0" smtClean="0"/>
+            </a:br>
+            <a:r>
+              <a:rPr lang="en-US" dirty="0" smtClean="0"/>
+              <a:t>	</a:t>
+            </a:r>
+            <a:r>
+              <a:rPr lang="en-US" sz="1600" dirty="0" smtClean="0"/>
+              <a:t>Not stored problems but randomly generated ones.</a:t>
+            </a:r>
+          </a:p>
+          <a:p>
+            <a:r>
+              <a:rPr lang="en-US" dirty="0" smtClean="0"/>
+              <a:t>Improve the user interface</a:t>
+            </a:r>
+            <a:br>
+              <a:rPr lang="en-US" dirty="0" smtClean="0"/>
+            </a:br>
+            <a:r>
+              <a:rPr lang="en-US" dirty="0" smtClean="0"/>
+              <a:t>        </a:t>
+            </a:r>
+            <a:r>
+              <a:rPr lang="en-US" sz="1600" dirty="0" smtClean="0"/>
+              <a:t>It’s hard to top that but we’ll try.</a:t>
+            </a:r>
+            <a:endParaRPr lang="en-US" dirty="0" smtClean="0"/>
+          </a:p>
+          <a:p>
+            <a:endParaRPr lang="en-US" dirty="0" smtClean="0"/>
+          </a:p>
+          <a:p>
+            <a:pPr>
+              <a:buNone/>
+            </a:pPr>
+            <a:endParaRPr lang="en-US" dirty="0" smtClean="0"/>
+          </a:p>
+          <a:p>
+            <a:endParaRPr lang="en-US" dirty="0"/>
+          </a:p>
+        </p:txBody>
+      </p:sp>
+    </p:spTree>
+  </p:cSld>
+  <p:clrMapOvr>
+    <a:masterClrMapping/>
+  </p:clrMapOvr>
+</p:sld>
+</file>
+
+<file path=ppt/slides/slide12.xml><?xml version="1.0" encoding="utf-8"?>
+<p:sld xmlns:a="http://schemas.openxmlformats.org/drawingml/2006/main" xmlns:r="http://schemas.openxmlformats.org/officeDocument/2006/relationships" xmlns:p="http://schemas.openxmlformats.org/presentationml/2006/main">
+  <p:cSld>
+    <p:spTree>
+      <p:nvGrpSpPr>
+        <p:cNvPr id="1" name=""/>
+        <p:cNvGrpSpPr/>
+        <p:nvPr/>
+      </p:nvGrpSpPr>
+      <p:grpSpPr>
+        <a:xfrm>
+          <a:off x="0" y="0"/>
+          <a:ext cx="0" cy="0"/>
+          <a:chOff x="0" y="0"/>
+          <a:chExt cx="0" cy="0"/>
+        </a:xfrm>
+      </p:grpSpPr>
+      <p:sp>
+        <p:nvSpPr>
           <p:cNvPr id="2" name="TextBox 1"/>
           <p:cNvSpPr txBox="1"/>
           <p:nvPr/>
@@ -6889,7 +7036,7 @@
 </p:sld>
 </file>
 
-<file path=ppt/slides/slide12.xml><?xml version="1.0" encoding="utf-8"?>
+<file path=ppt/slides/slide13.xml><?xml version="1.0" encoding="utf-8"?>
 <p:sld xmlns:a="http://schemas.openxmlformats.org/drawingml/2006/main" xmlns:r="http://schemas.openxmlformats.org/officeDocument/2006/relationships" xmlns:p="http://schemas.openxmlformats.org/presentationml/2006/main">
   <p:cSld>
     <p:spTree>
@@ -8833,15 +8980,7 @@
                   <a:schemeClr val="tx1"/>
                 </a:solidFill>
               </a:rPr>
-              <a:t>r</a:t>
-            </a:r>
-            <a:r>
-              <a:rPr lang="en-US" dirty="0" smtClean="0">
-                <a:solidFill>
-                  <a:schemeClr val="tx1"/>
-                </a:solidFill>
-              </a:rPr>
-              <a:t>eturn true;</a:t>
+              <a:t>return true;</a:t>
             </a:r>
             <a:endParaRPr lang="en-US" dirty="0">
               <a:solidFill>
@@ -9077,15 +9216,7 @@
                   <a:schemeClr val="tx1"/>
                 </a:solidFill>
               </a:rPr>
-              <a:t>s</a:t>
-            </a:r>
-            <a:r>
-              <a:rPr lang="en-US" sz="1600" dirty="0" smtClean="0">
-                <a:solidFill>
-                  <a:schemeClr val="tx1"/>
-                </a:solidFill>
-              </a:rPr>
-              <a:t>udoku[row][col]=num</a:t>
+              <a:t>sudoku[row][col]=num</a:t>
             </a:r>
             <a:endParaRPr lang="en-US" sz="1600" dirty="0">
               <a:solidFill>
@@ -9144,15 +9275,7 @@
                   <a:schemeClr val="tx1"/>
                 </a:solidFill>
               </a:rPr>
-              <a:t>r</a:t>
-            </a:r>
-            <a:r>
-              <a:rPr lang="en-US" sz="1300" dirty="0" smtClean="0">
-                <a:solidFill>
-                  <a:schemeClr val="tx1"/>
-                </a:solidFill>
-              </a:rPr>
-              <a:t>eturn true;</a:t>
+              <a:t>return true;</a:t>
             </a:r>
             <a:endParaRPr lang="en-US" sz="1300" dirty="0">
               <a:solidFill>
@@ -9211,15 +9334,7 @@
                   <a:schemeClr val="tx1"/>
                 </a:solidFill>
               </a:rPr>
-              <a:t>s</a:t>
-            </a:r>
-            <a:r>
-              <a:rPr lang="en-US" sz="1500" dirty="0" smtClean="0">
-                <a:solidFill>
-                  <a:schemeClr val="tx1"/>
-                </a:solidFill>
-              </a:rPr>
-              <a:t>udoku[row][col]=EMPTY; num++</a:t>
+              <a:t>sudoku[row][col]=EMPTY; num++</a:t>
             </a:r>
             <a:endParaRPr lang="en-US" sz="1500" dirty="0">
               <a:solidFill>
@@ -9278,15 +9393,7 @@
                   <a:schemeClr val="tx1"/>
                 </a:solidFill>
               </a:rPr>
-              <a:t>r</a:t>
-            </a:r>
-            <a:r>
-              <a:rPr lang="en-US" dirty="0" smtClean="0">
-                <a:solidFill>
-                  <a:schemeClr val="tx1"/>
-                </a:solidFill>
-              </a:rPr>
-              <a:t>eturn false;</a:t>
+              <a:t>return false;</a:t>
             </a:r>
             <a:endParaRPr lang="en-US" dirty="0">
               <a:solidFill>
